--- a/Documentación/Protocolos/Ayuda.pptx
+++ b/Documentación/Protocolos/Ayuda.pptx
@@ -114,6 +114,11 @@
       </a:defRPr>
     </a:lvl9pPr>
   </p:defaultTextStyle>
+  <p:extLst>
+    <p:ext uri="{EFAFB233-063F-42B5-8137-9DF3F51BA10A}">
+      <p15:sldGuideLst xmlns:p15="http://schemas.microsoft.com/office/powerpoint/2012/main"/>
+    </p:ext>
+  </p:extLst>
 </p:presentation>
 </file>
 
@@ -266,7 +271,7 @@
           <a:p>
             <a:fld id="{A63A657D-5197-4337-87F9-BD9C6FE30B51}" type="datetimeFigureOut">
               <a:rPr lang="es-MX" smtClean="0"/>
-              <a:t>14/01/2024</a:t>
+              <a:t>15/01/24</a:t>
             </a:fld>
             <a:endParaRPr lang="es-MX"/>
           </a:p>
@@ -320,7 +325,7 @@
           <a:p>
             <a:fld id="{9EF224B0-F2DB-4E93-8E41-E7A3898BA84F}" type="slidenum">
               <a:rPr lang="es-MX" smtClean="0"/>
-              <a:t>‹#›</a:t>
+              <a:t>‹Nº›</a:t>
             </a:fld>
             <a:endParaRPr lang="es-MX"/>
           </a:p>
@@ -466,7 +471,7 @@
           <a:p>
             <a:fld id="{A63A657D-5197-4337-87F9-BD9C6FE30B51}" type="datetimeFigureOut">
               <a:rPr lang="es-MX" smtClean="0"/>
-              <a:t>14/01/2024</a:t>
+              <a:t>15/01/24</a:t>
             </a:fld>
             <a:endParaRPr lang="es-MX"/>
           </a:p>
@@ -520,7 +525,7 @@
           <a:p>
             <a:fld id="{9EF224B0-F2DB-4E93-8E41-E7A3898BA84F}" type="slidenum">
               <a:rPr lang="es-MX" smtClean="0"/>
-              <a:t>‹#›</a:t>
+              <a:t>‹Nº›</a:t>
             </a:fld>
             <a:endParaRPr lang="es-MX"/>
           </a:p>
@@ -676,7 +681,7 @@
           <a:p>
             <a:fld id="{A63A657D-5197-4337-87F9-BD9C6FE30B51}" type="datetimeFigureOut">
               <a:rPr lang="es-MX" smtClean="0"/>
-              <a:t>14/01/2024</a:t>
+              <a:t>15/01/24</a:t>
             </a:fld>
             <a:endParaRPr lang="es-MX"/>
           </a:p>
@@ -730,7 +735,7 @@
           <a:p>
             <a:fld id="{9EF224B0-F2DB-4E93-8E41-E7A3898BA84F}" type="slidenum">
               <a:rPr lang="es-MX" smtClean="0"/>
-              <a:t>‹#›</a:t>
+              <a:t>‹Nº›</a:t>
             </a:fld>
             <a:endParaRPr lang="es-MX"/>
           </a:p>
@@ -876,7 +881,7 @@
           <a:p>
             <a:fld id="{A63A657D-5197-4337-87F9-BD9C6FE30B51}" type="datetimeFigureOut">
               <a:rPr lang="es-MX" smtClean="0"/>
-              <a:t>14/01/2024</a:t>
+              <a:t>15/01/24</a:t>
             </a:fld>
             <a:endParaRPr lang="es-MX"/>
           </a:p>
@@ -930,7 +935,7 @@
           <a:p>
             <a:fld id="{9EF224B0-F2DB-4E93-8E41-E7A3898BA84F}" type="slidenum">
               <a:rPr lang="es-MX" smtClean="0"/>
-              <a:t>‹#›</a:t>
+              <a:t>‹Nº›</a:t>
             </a:fld>
             <a:endParaRPr lang="es-MX"/>
           </a:p>
@@ -1152,7 +1157,7 @@
           <a:p>
             <a:fld id="{A63A657D-5197-4337-87F9-BD9C6FE30B51}" type="datetimeFigureOut">
               <a:rPr lang="es-MX" smtClean="0"/>
-              <a:t>14/01/2024</a:t>
+              <a:t>15/01/24</a:t>
             </a:fld>
             <a:endParaRPr lang="es-MX"/>
           </a:p>
@@ -1206,7 +1211,7 @@
           <a:p>
             <a:fld id="{9EF224B0-F2DB-4E93-8E41-E7A3898BA84F}" type="slidenum">
               <a:rPr lang="es-MX" smtClean="0"/>
-              <a:t>‹#›</a:t>
+              <a:t>‹Nº›</a:t>
             </a:fld>
             <a:endParaRPr lang="es-MX"/>
           </a:p>
@@ -1420,7 +1425,7 @@
           <a:p>
             <a:fld id="{A63A657D-5197-4337-87F9-BD9C6FE30B51}" type="datetimeFigureOut">
               <a:rPr lang="es-MX" smtClean="0"/>
-              <a:t>14/01/2024</a:t>
+              <a:t>15/01/24</a:t>
             </a:fld>
             <a:endParaRPr lang="es-MX"/>
           </a:p>
@@ -1474,7 +1479,7 @@
           <a:p>
             <a:fld id="{9EF224B0-F2DB-4E93-8E41-E7A3898BA84F}" type="slidenum">
               <a:rPr lang="es-MX" smtClean="0"/>
-              <a:t>‹#›</a:t>
+              <a:t>‹Nº›</a:t>
             </a:fld>
             <a:endParaRPr lang="es-MX"/>
           </a:p>
@@ -1835,7 +1840,7 @@
           <a:p>
             <a:fld id="{A63A657D-5197-4337-87F9-BD9C6FE30B51}" type="datetimeFigureOut">
               <a:rPr lang="es-MX" smtClean="0"/>
-              <a:t>14/01/2024</a:t>
+              <a:t>15/01/24</a:t>
             </a:fld>
             <a:endParaRPr lang="es-MX"/>
           </a:p>
@@ -1889,7 +1894,7 @@
           <a:p>
             <a:fld id="{9EF224B0-F2DB-4E93-8E41-E7A3898BA84F}" type="slidenum">
               <a:rPr lang="es-MX" smtClean="0"/>
-              <a:t>‹#›</a:t>
+              <a:t>‹Nº›</a:t>
             </a:fld>
             <a:endParaRPr lang="es-MX"/>
           </a:p>
@@ -1977,7 +1982,7 @@
           <a:p>
             <a:fld id="{A63A657D-5197-4337-87F9-BD9C6FE30B51}" type="datetimeFigureOut">
               <a:rPr lang="es-MX" smtClean="0"/>
-              <a:t>14/01/2024</a:t>
+              <a:t>15/01/24</a:t>
             </a:fld>
             <a:endParaRPr lang="es-MX"/>
           </a:p>
@@ -2031,7 +2036,7 @@
           <a:p>
             <a:fld id="{9EF224B0-F2DB-4E93-8E41-E7A3898BA84F}" type="slidenum">
               <a:rPr lang="es-MX" smtClean="0"/>
-              <a:t>‹#›</a:t>
+              <a:t>‹Nº›</a:t>
             </a:fld>
             <a:endParaRPr lang="es-MX"/>
           </a:p>
@@ -2090,7 +2095,7 @@
           <a:p>
             <a:fld id="{A63A657D-5197-4337-87F9-BD9C6FE30B51}" type="datetimeFigureOut">
               <a:rPr lang="es-MX" smtClean="0"/>
-              <a:t>14/01/2024</a:t>
+              <a:t>15/01/24</a:t>
             </a:fld>
             <a:endParaRPr lang="es-MX"/>
           </a:p>
@@ -2144,7 +2149,7 @@
           <a:p>
             <a:fld id="{9EF224B0-F2DB-4E93-8E41-E7A3898BA84F}" type="slidenum">
               <a:rPr lang="es-MX" smtClean="0"/>
-              <a:t>‹#›</a:t>
+              <a:t>‹Nº›</a:t>
             </a:fld>
             <a:endParaRPr lang="es-MX"/>
           </a:p>
@@ -2403,7 +2408,7 @@
           <a:p>
             <a:fld id="{A63A657D-5197-4337-87F9-BD9C6FE30B51}" type="datetimeFigureOut">
               <a:rPr lang="es-MX" smtClean="0"/>
-              <a:t>14/01/2024</a:t>
+              <a:t>15/01/24</a:t>
             </a:fld>
             <a:endParaRPr lang="es-MX"/>
           </a:p>
@@ -2457,7 +2462,7 @@
           <a:p>
             <a:fld id="{9EF224B0-F2DB-4E93-8E41-E7A3898BA84F}" type="slidenum">
               <a:rPr lang="es-MX" smtClean="0"/>
-              <a:t>‹#›</a:t>
+              <a:t>‹Nº›</a:t>
             </a:fld>
             <a:endParaRPr lang="es-MX"/>
           </a:p>
@@ -2692,7 +2697,7 @@
           <a:p>
             <a:fld id="{A63A657D-5197-4337-87F9-BD9C6FE30B51}" type="datetimeFigureOut">
               <a:rPr lang="es-MX" smtClean="0"/>
-              <a:t>14/01/2024</a:t>
+              <a:t>15/01/24</a:t>
             </a:fld>
             <a:endParaRPr lang="es-MX"/>
           </a:p>
@@ -2746,7 +2751,7 @@
           <a:p>
             <a:fld id="{9EF224B0-F2DB-4E93-8E41-E7A3898BA84F}" type="slidenum">
               <a:rPr lang="es-MX" smtClean="0"/>
-              <a:t>‹#›</a:t>
+              <a:t>‹Nº›</a:t>
             </a:fld>
             <a:endParaRPr lang="es-MX"/>
           </a:p>
@@ -2935,7 +2940,7 @@
           <a:p>
             <a:fld id="{A63A657D-5197-4337-87F9-BD9C6FE30B51}" type="datetimeFigureOut">
               <a:rPr lang="es-MX" smtClean="0"/>
-              <a:t>14/01/2024</a:t>
+              <a:t>15/01/24</a:t>
             </a:fld>
             <a:endParaRPr lang="es-MX"/>
           </a:p>
@@ -3025,7 +3030,7 @@
           <a:p>
             <a:fld id="{9EF224B0-F2DB-4E93-8E41-E7A3898BA84F}" type="slidenum">
               <a:rPr lang="es-MX" smtClean="0"/>
-              <a:t>‹#›</a:t>
+              <a:t>‹Nº›</a:t>
             </a:fld>
             <a:endParaRPr lang="es-MX"/>
           </a:p>
@@ -4923,6 +4928,206 @@
           </a:p>
         </p:txBody>
       </p:sp>
+      <p:sp>
+        <p:nvSpPr>
+          <p:cNvPr id="2" name="TextBox 9">
+            <a:extLst>
+              <a:ext uri="{FF2B5EF4-FFF2-40B4-BE49-F238E27FC236}">
+                <a16:creationId xmlns:a16="http://schemas.microsoft.com/office/drawing/2014/main" id="{D31970BC-3ADF-DB68-7D02-249EDB9EAE28}"/>
+              </a:ext>
+            </a:extLst>
+          </p:cNvPr>
+          <p:cNvSpPr txBox="1"/>
+          <p:nvPr/>
+        </p:nvSpPr>
+        <p:spPr>
+          <a:xfrm>
+            <a:off x="8538352" y="1120656"/>
+            <a:ext cx="2616334" cy="900246"/>
+          </a:xfrm>
+          <a:prstGeom prst="rect">
+            <a:avLst/>
+          </a:prstGeom>
+          <a:noFill/>
+          <a:ln w="3175">
+            <a:noFill/>
+          </a:ln>
+        </p:spPr>
+        <p:txBody>
+          <a:bodyPr wrap="square" rtlCol="0">
+            <a:spAutoFit/>
+          </a:bodyPr>
+          <a:lstStyle/>
+          <a:p>
+            <a:pPr>
+              <a:spcAft>
+                <a:spcPts val="300"/>
+              </a:spcAft>
+            </a:pPr>
+            <a:r>
+              <a:rPr lang="es-MX" sz="1400" b="1" dirty="0"/>
+              <a:t>Instalar la aplicación</a:t>
+            </a:r>
+          </a:p>
+          <a:p>
+            <a:pPr marL="228600" indent="-228600">
+              <a:spcAft>
+                <a:spcPts val="300"/>
+              </a:spcAft>
+              <a:buFont typeface="+mj-lt"/>
+              <a:buAutoNum type="arabicPeriod"/>
+            </a:pPr>
+            <a:r>
+              <a:rPr lang="es-MX" sz="1200" dirty="0"/>
+              <a:t>Seleccionar la opción </a:t>
+            </a:r>
+            <a:r>
+              <a:rPr lang="es-MX" sz="1200" b="1" dirty="0"/>
+              <a:t>”Instalar la aplicación” </a:t>
+            </a:r>
+            <a:r>
+              <a:rPr lang="es-MX" sz="1200" dirty="0"/>
+              <a:t>en las opciones generales del sistema.</a:t>
+            </a:r>
+          </a:p>
+        </p:txBody>
+      </p:sp>
+      <p:pic>
+        <p:nvPicPr>
+          <p:cNvPr id="3" name="Imagen 2">
+            <a:extLst>
+              <a:ext uri="{FF2B5EF4-FFF2-40B4-BE49-F238E27FC236}">
+                <a16:creationId xmlns:a16="http://schemas.microsoft.com/office/drawing/2014/main" id="{0159994D-BFE1-F2C8-9B7D-BDB083CA8599}"/>
+              </a:ext>
+            </a:extLst>
+          </p:cNvPr>
+          <p:cNvPicPr>
+            <a:picLocks noChangeAspect="1"/>
+          </p:cNvPicPr>
+          <p:nvPr/>
+        </p:nvPicPr>
+        <p:blipFill>
+          <a:blip r:embed="rId2">
+            <a:extLst>
+              <a:ext uri="{28A0092B-C50C-407E-A947-70E740481C1C}">
+                <a14:useLocalDpi xmlns:a14="http://schemas.microsoft.com/office/drawing/2010/main" val="0"/>
+              </a:ext>
+            </a:extLst>
+          </a:blip>
+          <a:stretch>
+            <a:fillRect/>
+          </a:stretch>
+        </p:blipFill>
+        <p:spPr>
+          <a:xfrm>
+            <a:off x="9168025" y="2007701"/>
+            <a:ext cx="1356987" cy="1524862"/>
+          </a:xfrm>
+          <a:prstGeom prst="rect">
+            <a:avLst/>
+          </a:prstGeom>
+        </p:spPr>
+      </p:pic>
+      <p:sp>
+        <p:nvSpPr>
+          <p:cNvPr id="4" name="Rectangle: Rounded Corners 1">
+            <a:extLst>
+              <a:ext uri="{FF2B5EF4-FFF2-40B4-BE49-F238E27FC236}">
+                <a16:creationId xmlns:a16="http://schemas.microsoft.com/office/drawing/2014/main" id="{2E1A8B4C-64E4-65E5-E555-7F54086FC0BE}"/>
+              </a:ext>
+            </a:extLst>
+          </p:cNvPr>
+          <p:cNvSpPr/>
+          <p:nvPr/>
+        </p:nvSpPr>
+        <p:spPr>
+          <a:xfrm>
+            <a:off x="9222979" y="2825514"/>
+            <a:ext cx="1245761" cy="201798"/>
+          </a:xfrm>
+          <a:prstGeom prst="roundRect">
+            <a:avLst/>
+          </a:prstGeom>
+          <a:noFill/>
+          <a:ln w="28575">
+            <a:solidFill>
+              <a:srgbClr val="C00000"/>
+            </a:solidFill>
+            <a:prstDash val="sysDash"/>
+          </a:ln>
+        </p:spPr>
+        <p:style>
+          <a:lnRef idx="2">
+            <a:schemeClr val="accent1">
+              <a:shade val="15000"/>
+            </a:schemeClr>
+          </a:lnRef>
+          <a:fillRef idx="1">
+            <a:schemeClr val="accent1"/>
+          </a:fillRef>
+          <a:effectRef idx="0">
+            <a:schemeClr val="accent1"/>
+          </a:effectRef>
+          <a:fontRef idx="minor">
+            <a:schemeClr val="lt1"/>
+          </a:fontRef>
+        </p:style>
+        <p:txBody>
+          <a:bodyPr rtlCol="0" anchor="ctr"/>
+          <a:lstStyle/>
+          <a:p>
+            <a:pPr algn="ctr"/>
+            <a:endParaRPr lang="es-MX"/>
+          </a:p>
+        </p:txBody>
+      </p:sp>
+      <p:pic>
+        <p:nvPicPr>
+          <p:cNvPr id="5" name="Graphic 3" descr="Right pointing backhand index with solid fill">
+            <a:extLst>
+              <a:ext uri="{FF2B5EF4-FFF2-40B4-BE49-F238E27FC236}">
+                <a16:creationId xmlns:a16="http://schemas.microsoft.com/office/drawing/2014/main" id="{8BD2620E-8D69-D330-20F2-433ED5BE2EFB}"/>
+              </a:ext>
+            </a:extLst>
+          </p:cNvPr>
+          <p:cNvPicPr>
+            <a:picLocks noChangeAspect="1"/>
+          </p:cNvPicPr>
+          <p:nvPr/>
+        </p:nvPicPr>
+        <p:blipFill>
+          <a:blip r:embed="rId3">
+            <a:extLst>
+              <a:ext uri="{28A0092B-C50C-407E-A947-70E740481C1C}">
+                <a14:useLocalDpi xmlns:a14="http://schemas.microsoft.com/office/drawing/2010/main" val="0"/>
+              </a:ext>
+              <a:ext uri="{96DAC541-7B7A-43D3-8B79-37D633B846F1}">
+                <asvg:svgBlip xmlns:asvg="http://schemas.microsoft.com/office/drawing/2016/SVG/main" r:embed="rId4"/>
+              </a:ext>
+            </a:extLst>
+          </a:blip>
+          <a:stretch>
+            <a:fillRect/>
+          </a:stretch>
+        </p:blipFill>
+        <p:spPr>
+          <a:xfrm rot="15020035">
+            <a:off x="10043023" y="2883222"/>
+            <a:ext cx="291509" cy="291509"/>
+          </a:xfrm>
+          <a:prstGeom prst="rect">
+            <a:avLst/>
+          </a:prstGeom>
+          <a:effectLst>
+            <a:glow rad="63500">
+              <a:schemeClr val="accent4">
+                <a:satMod val="175000"/>
+                <a:alpha val="40000"/>
+              </a:schemeClr>
+            </a:glow>
+          </a:effectLst>
+        </p:spPr>
+      </p:pic>
     </p:spTree>
     <p:extLst>
       <p:ext uri="{BB962C8B-B14F-4D97-AF65-F5344CB8AC3E}">
@@ -5000,6 +5205,206 @@
           </a:p>
         </p:txBody>
       </p:sp>
+      <p:sp>
+        <p:nvSpPr>
+          <p:cNvPr id="2" name="TextBox 9">
+            <a:extLst>
+              <a:ext uri="{FF2B5EF4-FFF2-40B4-BE49-F238E27FC236}">
+                <a16:creationId xmlns:a16="http://schemas.microsoft.com/office/drawing/2014/main" id="{A158D5FB-D67B-BDEF-57B7-AD3CB1882971}"/>
+              </a:ext>
+            </a:extLst>
+          </p:cNvPr>
+          <p:cNvSpPr txBox="1"/>
+          <p:nvPr/>
+        </p:nvSpPr>
+        <p:spPr>
+          <a:xfrm>
+            <a:off x="8538352" y="1120656"/>
+            <a:ext cx="2616334" cy="900246"/>
+          </a:xfrm>
+          <a:prstGeom prst="rect">
+            <a:avLst/>
+          </a:prstGeom>
+          <a:noFill/>
+          <a:ln w="3175">
+            <a:noFill/>
+          </a:ln>
+        </p:spPr>
+        <p:txBody>
+          <a:bodyPr wrap="square" rtlCol="0">
+            <a:spAutoFit/>
+          </a:bodyPr>
+          <a:lstStyle/>
+          <a:p>
+            <a:pPr>
+              <a:spcAft>
+                <a:spcPts val="300"/>
+              </a:spcAft>
+            </a:pPr>
+            <a:r>
+              <a:rPr lang="es-MX" sz="1400" b="1" dirty="0"/>
+              <a:t>Actualizar la aplicación</a:t>
+            </a:r>
+          </a:p>
+          <a:p>
+            <a:pPr marL="228600" indent="-228600">
+              <a:spcAft>
+                <a:spcPts val="300"/>
+              </a:spcAft>
+              <a:buFont typeface="+mj-lt"/>
+              <a:buAutoNum type="arabicPeriod"/>
+            </a:pPr>
+            <a:r>
+              <a:rPr lang="es-MX" sz="1200" dirty="0"/>
+              <a:t>Seleccionar la opción </a:t>
+            </a:r>
+            <a:r>
+              <a:rPr lang="es-MX" sz="1200" b="1" dirty="0"/>
+              <a:t>” Actualizar la aplicación” </a:t>
+            </a:r>
+            <a:r>
+              <a:rPr lang="es-MX" sz="1200" dirty="0"/>
+              <a:t>en las opciones generales del sistema.</a:t>
+            </a:r>
+          </a:p>
+        </p:txBody>
+      </p:sp>
+      <p:pic>
+        <p:nvPicPr>
+          <p:cNvPr id="3" name="Imagen 2">
+            <a:extLst>
+              <a:ext uri="{FF2B5EF4-FFF2-40B4-BE49-F238E27FC236}">
+                <a16:creationId xmlns:a16="http://schemas.microsoft.com/office/drawing/2014/main" id="{9A9FAC39-49D9-AA19-1B97-C1F66CEC6735}"/>
+              </a:ext>
+            </a:extLst>
+          </p:cNvPr>
+          <p:cNvPicPr>
+            <a:picLocks noChangeAspect="1"/>
+          </p:cNvPicPr>
+          <p:nvPr/>
+        </p:nvPicPr>
+        <p:blipFill>
+          <a:blip r:embed="rId2">
+            <a:extLst>
+              <a:ext uri="{28A0092B-C50C-407E-A947-70E740481C1C}">
+                <a14:useLocalDpi xmlns:a14="http://schemas.microsoft.com/office/drawing/2010/main" val="0"/>
+              </a:ext>
+            </a:extLst>
+          </a:blip>
+          <a:stretch>
+            <a:fillRect/>
+          </a:stretch>
+        </p:blipFill>
+        <p:spPr>
+          <a:xfrm>
+            <a:off x="9168025" y="2007701"/>
+            <a:ext cx="1356987" cy="1524862"/>
+          </a:xfrm>
+          <a:prstGeom prst="rect">
+            <a:avLst/>
+          </a:prstGeom>
+        </p:spPr>
+      </p:pic>
+      <p:sp>
+        <p:nvSpPr>
+          <p:cNvPr id="4" name="Rectangle: Rounded Corners 1">
+            <a:extLst>
+              <a:ext uri="{FF2B5EF4-FFF2-40B4-BE49-F238E27FC236}">
+                <a16:creationId xmlns:a16="http://schemas.microsoft.com/office/drawing/2014/main" id="{D62A82CD-8386-0AE4-5208-45C5E4631D7C}"/>
+              </a:ext>
+            </a:extLst>
+          </p:cNvPr>
+          <p:cNvSpPr/>
+          <p:nvPr/>
+        </p:nvSpPr>
+        <p:spPr>
+          <a:xfrm>
+            <a:off x="9222979" y="3023816"/>
+            <a:ext cx="1245761" cy="201798"/>
+          </a:xfrm>
+          <a:prstGeom prst="roundRect">
+            <a:avLst/>
+          </a:prstGeom>
+          <a:noFill/>
+          <a:ln w="28575">
+            <a:solidFill>
+              <a:srgbClr val="C00000"/>
+            </a:solidFill>
+            <a:prstDash val="sysDash"/>
+          </a:ln>
+        </p:spPr>
+        <p:style>
+          <a:lnRef idx="2">
+            <a:schemeClr val="accent1">
+              <a:shade val="15000"/>
+            </a:schemeClr>
+          </a:lnRef>
+          <a:fillRef idx="1">
+            <a:schemeClr val="accent1"/>
+          </a:fillRef>
+          <a:effectRef idx="0">
+            <a:schemeClr val="accent1"/>
+          </a:effectRef>
+          <a:fontRef idx="minor">
+            <a:schemeClr val="lt1"/>
+          </a:fontRef>
+        </p:style>
+        <p:txBody>
+          <a:bodyPr rtlCol="0" anchor="ctr"/>
+          <a:lstStyle/>
+          <a:p>
+            <a:pPr algn="ctr"/>
+            <a:endParaRPr lang="es-MX"/>
+          </a:p>
+        </p:txBody>
+      </p:sp>
+      <p:pic>
+        <p:nvPicPr>
+          <p:cNvPr id="5" name="Graphic 3" descr="Right pointing backhand index with solid fill">
+            <a:extLst>
+              <a:ext uri="{FF2B5EF4-FFF2-40B4-BE49-F238E27FC236}">
+                <a16:creationId xmlns:a16="http://schemas.microsoft.com/office/drawing/2014/main" id="{AECABADC-63FC-EDA8-F95A-BA555623AE8F}"/>
+              </a:ext>
+            </a:extLst>
+          </p:cNvPr>
+          <p:cNvPicPr>
+            <a:picLocks noChangeAspect="1"/>
+          </p:cNvPicPr>
+          <p:nvPr/>
+        </p:nvPicPr>
+        <p:blipFill>
+          <a:blip r:embed="rId3">
+            <a:extLst>
+              <a:ext uri="{28A0092B-C50C-407E-A947-70E740481C1C}">
+                <a14:useLocalDpi xmlns:a14="http://schemas.microsoft.com/office/drawing/2010/main" val="0"/>
+              </a:ext>
+              <a:ext uri="{96DAC541-7B7A-43D3-8B79-37D633B846F1}">
+                <asvg:svgBlip xmlns:asvg="http://schemas.microsoft.com/office/drawing/2016/SVG/main" r:embed="rId4"/>
+              </a:ext>
+            </a:extLst>
+          </a:blip>
+          <a:stretch>
+            <a:fillRect/>
+          </a:stretch>
+        </p:blipFill>
+        <p:spPr>
+          <a:xfrm rot="15020035">
+            <a:off x="10043023" y="3081524"/>
+            <a:ext cx="291509" cy="291509"/>
+          </a:xfrm>
+          <a:prstGeom prst="rect">
+            <a:avLst/>
+          </a:prstGeom>
+          <a:effectLst>
+            <a:glow rad="63500">
+              <a:schemeClr val="accent4">
+                <a:satMod val="175000"/>
+                <a:alpha val="40000"/>
+              </a:schemeClr>
+            </a:glow>
+          </a:effectLst>
+        </p:spPr>
+      </p:pic>
     </p:spTree>
     <p:extLst>
       <p:ext uri="{BB962C8B-B14F-4D97-AF65-F5344CB8AC3E}">
@@ -11954,12 +12359,1072 @@
           <a:chExt cx="0" cy="0"/>
         </a:xfrm>
       </p:grpSpPr>
+      <p:pic>
+        <p:nvPicPr>
+          <p:cNvPr id="8" name="Imagen 7">
+            <a:extLst>
+              <a:ext uri="{FF2B5EF4-FFF2-40B4-BE49-F238E27FC236}">
+                <a16:creationId xmlns:a16="http://schemas.microsoft.com/office/drawing/2014/main" id="{5235DCF8-FE31-B5D7-5D7F-B043272818C0}"/>
+              </a:ext>
+            </a:extLst>
+          </p:cNvPr>
+          <p:cNvPicPr>
+            <a:picLocks noChangeAspect="1"/>
+          </p:cNvPicPr>
+          <p:nvPr/>
+        </p:nvPicPr>
+        <p:blipFill>
+          <a:blip r:embed="rId2">
+            <a:extLst>
+              <a:ext uri="{28A0092B-C50C-407E-A947-70E740481C1C}">
+                <a14:useLocalDpi xmlns:a14="http://schemas.microsoft.com/office/drawing/2010/main" val="0"/>
+              </a:ext>
+            </a:extLst>
+          </a:blip>
+          <a:stretch>
+            <a:fillRect/>
+          </a:stretch>
+        </p:blipFill>
+        <p:spPr>
+          <a:xfrm>
+            <a:off x="4803708" y="1120656"/>
+            <a:ext cx="2620583" cy="4616687"/>
+          </a:xfrm>
+          <a:prstGeom prst="rect">
+            <a:avLst/>
+          </a:prstGeom>
+        </p:spPr>
+      </p:pic>
+      <p:pic>
+        <p:nvPicPr>
+          <p:cNvPr id="9" name="Graphic 3" descr="Right pointing backhand index with solid fill">
+            <a:extLst>
+              <a:ext uri="{FF2B5EF4-FFF2-40B4-BE49-F238E27FC236}">
+                <a16:creationId xmlns:a16="http://schemas.microsoft.com/office/drawing/2014/main" id="{000390B4-CD85-C475-D98D-B34C92F37B06}"/>
+              </a:ext>
+            </a:extLst>
+          </p:cNvPr>
+          <p:cNvPicPr>
+            <a:picLocks noChangeAspect="1"/>
+          </p:cNvPicPr>
+          <p:nvPr/>
+        </p:nvPicPr>
+        <p:blipFill>
+          <a:blip r:embed="rId3">
+            <a:extLst>
+              <a:ext uri="{28A0092B-C50C-407E-A947-70E740481C1C}">
+                <a14:useLocalDpi xmlns:a14="http://schemas.microsoft.com/office/drawing/2010/main" val="0"/>
+              </a:ext>
+              <a:ext uri="{96DAC541-7B7A-43D3-8B79-37D633B846F1}">
+                <asvg:svgBlip xmlns:asvg="http://schemas.microsoft.com/office/drawing/2016/SVG/main" r:embed="rId4"/>
+              </a:ext>
+            </a:extLst>
+          </a:blip>
+          <a:stretch>
+            <a:fillRect/>
+          </a:stretch>
+        </p:blipFill>
+        <p:spPr>
+          <a:xfrm rot="15020035">
+            <a:off x="6928794" y="5569191"/>
+            <a:ext cx="495794" cy="495794"/>
+          </a:xfrm>
+          <a:prstGeom prst="rect">
+            <a:avLst/>
+          </a:prstGeom>
+          <a:effectLst>
+            <a:glow rad="63500">
+              <a:schemeClr val="accent4">
+                <a:satMod val="175000"/>
+                <a:alpha val="40000"/>
+              </a:schemeClr>
+            </a:glow>
+          </a:effectLst>
+        </p:spPr>
+      </p:pic>
+      <p:grpSp>
+        <p:nvGrpSpPr>
+          <p:cNvPr id="10" name="Group 31">
+            <a:extLst>
+              <a:ext uri="{FF2B5EF4-FFF2-40B4-BE49-F238E27FC236}">
+                <a16:creationId xmlns:a16="http://schemas.microsoft.com/office/drawing/2014/main" id="{1ECAE783-84F9-CD81-DBD5-824EE17C62F5}"/>
+              </a:ext>
+            </a:extLst>
+          </p:cNvPr>
+          <p:cNvGrpSpPr/>
+          <p:nvPr/>
+        </p:nvGrpSpPr>
+        <p:grpSpPr>
+          <a:xfrm>
+            <a:off x="4286245" y="1869198"/>
+            <a:ext cx="674418" cy="169332"/>
+            <a:chOff x="4215907" y="237346"/>
+            <a:chExt cx="674418" cy="169332"/>
+          </a:xfrm>
+        </p:grpSpPr>
+        <p:sp>
+          <p:nvSpPr>
+            <p:cNvPr id="11" name="Oval 5">
+              <a:extLst>
+                <a:ext uri="{FF2B5EF4-FFF2-40B4-BE49-F238E27FC236}">
+                  <a16:creationId xmlns:a16="http://schemas.microsoft.com/office/drawing/2014/main" id="{D3C8456B-5F98-E972-08C6-F07CB8DC3926}"/>
+                </a:ext>
+              </a:extLst>
+            </p:cNvPr>
+            <p:cNvSpPr/>
+            <p:nvPr/>
+          </p:nvSpPr>
+          <p:spPr>
+            <a:xfrm>
+              <a:off x="4215907" y="237346"/>
+              <a:ext cx="169332" cy="169332"/>
+            </a:xfrm>
+            <a:prstGeom prst="ellipse">
+              <a:avLst/>
+            </a:prstGeom>
+            <a:noFill/>
+          </p:spPr>
+          <p:style>
+            <a:lnRef idx="2">
+              <a:schemeClr val="accent1">
+                <a:shade val="15000"/>
+              </a:schemeClr>
+            </a:lnRef>
+            <a:fillRef idx="1">
+              <a:schemeClr val="accent1"/>
+            </a:fillRef>
+            <a:effectRef idx="0">
+              <a:schemeClr val="accent1"/>
+            </a:effectRef>
+            <a:fontRef idx="minor">
+              <a:schemeClr val="lt1"/>
+            </a:fontRef>
+          </p:style>
+          <p:txBody>
+            <a:bodyPr rtlCol="0" anchor="ctr"/>
+            <a:lstStyle/>
+            <a:p>
+              <a:pPr algn="ctr"/>
+              <a:r>
+                <a:rPr lang="es-MX" sz="1200" dirty="0">
+                  <a:solidFill>
+                    <a:schemeClr val="tx1"/>
+                  </a:solidFill>
+                  <a:effectLst>
+                    <a:outerShdw blurRad="38100" dist="38100" dir="2700000" algn="tl">
+                      <a:srgbClr val="000000">
+                        <a:alpha val="43137"/>
+                      </a:srgbClr>
+                    </a:outerShdw>
+                  </a:effectLst>
+                </a:rPr>
+                <a:t>2</a:t>
+              </a:r>
+            </a:p>
+          </p:txBody>
+        </p:sp>
+        <p:cxnSp>
+          <p:nvCxnSpPr>
+            <p:cNvPr id="12" name="Straight Connector 12">
+              <a:extLst>
+                <a:ext uri="{FF2B5EF4-FFF2-40B4-BE49-F238E27FC236}">
+                  <a16:creationId xmlns:a16="http://schemas.microsoft.com/office/drawing/2014/main" id="{47FE5698-AECD-A455-BC4B-E52F3E1B6ED4}"/>
+                </a:ext>
+              </a:extLst>
+            </p:cNvPr>
+            <p:cNvCxnSpPr>
+              <a:cxnSpLocks/>
+              <a:endCxn id="11" idx="6"/>
+            </p:cNvCxnSpPr>
+            <p:nvPr/>
+          </p:nvCxnSpPr>
+          <p:spPr>
+            <a:xfrm flipH="1">
+              <a:off x="4385239" y="322012"/>
+              <a:ext cx="505086" cy="0"/>
+            </a:xfrm>
+            <a:prstGeom prst="line">
+              <a:avLst/>
+            </a:prstGeom>
+          </p:spPr>
+          <p:style>
+            <a:lnRef idx="3">
+              <a:schemeClr val="dk1"/>
+            </a:lnRef>
+            <a:fillRef idx="0">
+              <a:schemeClr val="dk1"/>
+            </a:fillRef>
+            <a:effectRef idx="2">
+              <a:schemeClr val="dk1"/>
+            </a:effectRef>
+            <a:fontRef idx="minor">
+              <a:schemeClr val="tx1"/>
+            </a:fontRef>
+          </p:style>
+        </p:cxnSp>
+      </p:grpSp>
+      <p:grpSp>
+        <p:nvGrpSpPr>
+          <p:cNvPr id="13" name="Group 29">
+            <a:extLst>
+              <a:ext uri="{FF2B5EF4-FFF2-40B4-BE49-F238E27FC236}">
+                <a16:creationId xmlns:a16="http://schemas.microsoft.com/office/drawing/2014/main" id="{67CC0EAC-F7BC-2958-1D35-61992953B505}"/>
+              </a:ext>
+            </a:extLst>
+          </p:cNvPr>
+          <p:cNvGrpSpPr/>
+          <p:nvPr/>
+        </p:nvGrpSpPr>
+        <p:grpSpPr>
+          <a:xfrm>
+            <a:off x="4286245" y="2548607"/>
+            <a:ext cx="665373" cy="169332"/>
+            <a:chOff x="4224952" y="1999969"/>
+            <a:chExt cx="665373" cy="169332"/>
+          </a:xfrm>
+        </p:grpSpPr>
+        <p:sp>
+          <p:nvSpPr>
+            <p:cNvPr id="14" name="Oval 6">
+              <a:extLst>
+                <a:ext uri="{FF2B5EF4-FFF2-40B4-BE49-F238E27FC236}">
+                  <a16:creationId xmlns:a16="http://schemas.microsoft.com/office/drawing/2014/main" id="{8C8A139B-F31E-B382-3F9C-60EEEC8B32CF}"/>
+                </a:ext>
+              </a:extLst>
+            </p:cNvPr>
+            <p:cNvSpPr/>
+            <p:nvPr/>
+          </p:nvSpPr>
+          <p:spPr>
+            <a:xfrm>
+              <a:off x="4224952" y="1999969"/>
+              <a:ext cx="169332" cy="169332"/>
+            </a:xfrm>
+            <a:prstGeom prst="ellipse">
+              <a:avLst/>
+            </a:prstGeom>
+            <a:noFill/>
+          </p:spPr>
+          <p:style>
+            <a:lnRef idx="2">
+              <a:schemeClr val="accent1">
+                <a:shade val="15000"/>
+              </a:schemeClr>
+            </a:lnRef>
+            <a:fillRef idx="1">
+              <a:schemeClr val="accent1"/>
+            </a:fillRef>
+            <a:effectRef idx="0">
+              <a:schemeClr val="accent1"/>
+            </a:effectRef>
+            <a:fontRef idx="minor">
+              <a:schemeClr val="lt1"/>
+            </a:fontRef>
+          </p:style>
+          <p:txBody>
+            <a:bodyPr rtlCol="0" anchor="ctr"/>
+            <a:lstStyle/>
+            <a:p>
+              <a:pPr algn="ctr"/>
+              <a:r>
+                <a:rPr lang="es-MX" sz="1200" dirty="0">
+                  <a:solidFill>
+                    <a:schemeClr val="tx1"/>
+                  </a:solidFill>
+                  <a:effectLst>
+                    <a:outerShdw blurRad="38100" dist="38100" dir="2700000" algn="tl">
+                      <a:srgbClr val="000000">
+                        <a:alpha val="43137"/>
+                      </a:srgbClr>
+                    </a:outerShdw>
+                  </a:effectLst>
+                </a:rPr>
+                <a:t>3</a:t>
+              </a:r>
+            </a:p>
+          </p:txBody>
+        </p:sp>
+        <p:cxnSp>
+          <p:nvCxnSpPr>
+            <p:cNvPr id="15" name="Straight Connector 18">
+              <a:extLst>
+                <a:ext uri="{FF2B5EF4-FFF2-40B4-BE49-F238E27FC236}">
+                  <a16:creationId xmlns:a16="http://schemas.microsoft.com/office/drawing/2014/main" id="{36466FA4-AD7D-A79B-62CE-D422007570F6}"/>
+                </a:ext>
+              </a:extLst>
+            </p:cNvPr>
+            <p:cNvCxnSpPr>
+              <a:cxnSpLocks/>
+              <a:endCxn id="14" idx="6"/>
+            </p:cNvCxnSpPr>
+            <p:nvPr/>
+          </p:nvCxnSpPr>
+          <p:spPr>
+            <a:xfrm flipH="1">
+              <a:off x="4394284" y="2083489"/>
+              <a:ext cx="496041" cy="1146"/>
+            </a:xfrm>
+            <a:prstGeom prst="line">
+              <a:avLst/>
+            </a:prstGeom>
+          </p:spPr>
+          <p:style>
+            <a:lnRef idx="3">
+              <a:schemeClr val="dk1"/>
+            </a:lnRef>
+            <a:fillRef idx="0">
+              <a:schemeClr val="dk1"/>
+            </a:fillRef>
+            <a:effectRef idx="2">
+              <a:schemeClr val="dk1"/>
+            </a:effectRef>
+            <a:fontRef idx="minor">
+              <a:schemeClr val="tx1"/>
+            </a:fontRef>
+          </p:style>
+        </p:cxnSp>
+      </p:grpSp>
+      <p:grpSp>
+        <p:nvGrpSpPr>
+          <p:cNvPr id="16" name="Group 27">
+            <a:extLst>
+              <a:ext uri="{FF2B5EF4-FFF2-40B4-BE49-F238E27FC236}">
+                <a16:creationId xmlns:a16="http://schemas.microsoft.com/office/drawing/2014/main" id="{D3387A16-98AC-17BE-0C6D-7C36A7A37E44}"/>
+              </a:ext>
+            </a:extLst>
+          </p:cNvPr>
+          <p:cNvGrpSpPr/>
+          <p:nvPr/>
+        </p:nvGrpSpPr>
+        <p:grpSpPr>
+          <a:xfrm>
+            <a:off x="4286245" y="3227202"/>
+            <a:ext cx="659027" cy="169332"/>
+            <a:chOff x="4215907" y="2278395"/>
+            <a:chExt cx="659027" cy="169332"/>
+          </a:xfrm>
+        </p:grpSpPr>
+        <p:sp>
+          <p:nvSpPr>
+            <p:cNvPr id="17" name="Oval 7">
+              <a:extLst>
+                <a:ext uri="{FF2B5EF4-FFF2-40B4-BE49-F238E27FC236}">
+                  <a16:creationId xmlns:a16="http://schemas.microsoft.com/office/drawing/2014/main" id="{4B772294-462D-C7D7-5188-6FBB7B0D8D4B}"/>
+                </a:ext>
+              </a:extLst>
+            </p:cNvPr>
+            <p:cNvSpPr/>
+            <p:nvPr/>
+          </p:nvSpPr>
+          <p:spPr>
+            <a:xfrm>
+              <a:off x="4215907" y="2278395"/>
+              <a:ext cx="169332" cy="169332"/>
+            </a:xfrm>
+            <a:prstGeom prst="ellipse">
+              <a:avLst/>
+            </a:prstGeom>
+            <a:noFill/>
+          </p:spPr>
+          <p:style>
+            <a:lnRef idx="2">
+              <a:schemeClr val="accent1">
+                <a:shade val="15000"/>
+              </a:schemeClr>
+            </a:lnRef>
+            <a:fillRef idx="1">
+              <a:schemeClr val="accent1"/>
+            </a:fillRef>
+            <a:effectRef idx="0">
+              <a:schemeClr val="accent1"/>
+            </a:effectRef>
+            <a:fontRef idx="minor">
+              <a:schemeClr val="lt1"/>
+            </a:fontRef>
+          </p:style>
+          <p:txBody>
+            <a:bodyPr rtlCol="0" anchor="ctr"/>
+            <a:lstStyle/>
+            <a:p>
+              <a:pPr algn="ctr"/>
+              <a:r>
+                <a:rPr lang="es-MX" sz="1200" dirty="0">
+                  <a:solidFill>
+                    <a:schemeClr val="tx1"/>
+                  </a:solidFill>
+                  <a:effectLst>
+                    <a:outerShdw blurRad="38100" dist="38100" dir="2700000" algn="tl">
+                      <a:srgbClr val="000000">
+                        <a:alpha val="43137"/>
+                      </a:srgbClr>
+                    </a:outerShdw>
+                  </a:effectLst>
+                </a:rPr>
+                <a:t>4</a:t>
+              </a:r>
+            </a:p>
+          </p:txBody>
+        </p:sp>
+        <p:cxnSp>
+          <p:nvCxnSpPr>
+            <p:cNvPr id="18" name="Straight Connector 20">
+              <a:extLst>
+                <a:ext uri="{FF2B5EF4-FFF2-40B4-BE49-F238E27FC236}">
+                  <a16:creationId xmlns:a16="http://schemas.microsoft.com/office/drawing/2014/main" id="{67FDCEA0-C057-D793-B24A-2AFD504386B8}"/>
+                </a:ext>
+              </a:extLst>
+            </p:cNvPr>
+            <p:cNvCxnSpPr>
+              <a:cxnSpLocks/>
+            </p:cNvCxnSpPr>
+            <p:nvPr/>
+          </p:nvCxnSpPr>
+          <p:spPr>
+            <a:xfrm flipH="1">
+              <a:off x="4378893" y="2363061"/>
+              <a:ext cx="496041" cy="1146"/>
+            </a:xfrm>
+            <a:prstGeom prst="line">
+              <a:avLst/>
+            </a:prstGeom>
+          </p:spPr>
+          <p:style>
+            <a:lnRef idx="3">
+              <a:schemeClr val="dk1"/>
+            </a:lnRef>
+            <a:fillRef idx="0">
+              <a:schemeClr val="dk1"/>
+            </a:fillRef>
+            <a:effectRef idx="2">
+              <a:schemeClr val="dk1"/>
+            </a:effectRef>
+            <a:fontRef idx="minor">
+              <a:schemeClr val="tx1"/>
+            </a:fontRef>
+          </p:style>
+        </p:cxnSp>
+      </p:grpSp>
+      <p:grpSp>
+        <p:nvGrpSpPr>
+          <p:cNvPr id="22" name="Group 29">
+            <a:extLst>
+              <a:ext uri="{FF2B5EF4-FFF2-40B4-BE49-F238E27FC236}">
+                <a16:creationId xmlns:a16="http://schemas.microsoft.com/office/drawing/2014/main" id="{924E8B47-1546-611D-BD64-30E1DBC0EC8A}"/>
+              </a:ext>
+            </a:extLst>
+          </p:cNvPr>
+          <p:cNvGrpSpPr/>
+          <p:nvPr/>
+        </p:nvGrpSpPr>
+        <p:grpSpPr>
+          <a:xfrm>
+            <a:off x="4282104" y="4061625"/>
+            <a:ext cx="665373" cy="169332"/>
+            <a:chOff x="4224952" y="1999969"/>
+            <a:chExt cx="665373" cy="169332"/>
+          </a:xfrm>
+        </p:grpSpPr>
+        <p:sp>
+          <p:nvSpPr>
+            <p:cNvPr id="23" name="Oval 6">
+              <a:extLst>
+                <a:ext uri="{FF2B5EF4-FFF2-40B4-BE49-F238E27FC236}">
+                  <a16:creationId xmlns:a16="http://schemas.microsoft.com/office/drawing/2014/main" id="{F925F67B-3990-C757-EDA8-00809DF54B74}"/>
+                </a:ext>
+              </a:extLst>
+            </p:cNvPr>
+            <p:cNvSpPr/>
+            <p:nvPr/>
+          </p:nvSpPr>
+          <p:spPr>
+            <a:xfrm>
+              <a:off x="4224952" y="1999969"/>
+              <a:ext cx="169332" cy="169332"/>
+            </a:xfrm>
+            <a:prstGeom prst="ellipse">
+              <a:avLst/>
+            </a:prstGeom>
+            <a:noFill/>
+          </p:spPr>
+          <p:style>
+            <a:lnRef idx="2">
+              <a:schemeClr val="accent1">
+                <a:shade val="15000"/>
+              </a:schemeClr>
+            </a:lnRef>
+            <a:fillRef idx="1">
+              <a:schemeClr val="accent1"/>
+            </a:fillRef>
+            <a:effectRef idx="0">
+              <a:schemeClr val="accent1"/>
+            </a:effectRef>
+            <a:fontRef idx="minor">
+              <a:schemeClr val="lt1"/>
+            </a:fontRef>
+          </p:style>
+          <p:txBody>
+            <a:bodyPr rtlCol="0" anchor="ctr"/>
+            <a:lstStyle/>
+            <a:p>
+              <a:pPr algn="ctr"/>
+              <a:r>
+                <a:rPr lang="es-MX" sz="1200" dirty="0">
+                  <a:solidFill>
+                    <a:schemeClr val="tx1"/>
+                  </a:solidFill>
+                  <a:effectLst>
+                    <a:outerShdw blurRad="38100" dist="38100" dir="2700000" algn="tl">
+                      <a:srgbClr val="000000">
+                        <a:alpha val="43137"/>
+                      </a:srgbClr>
+                    </a:outerShdw>
+                  </a:effectLst>
+                </a:rPr>
+                <a:t>5</a:t>
+              </a:r>
+            </a:p>
+          </p:txBody>
+        </p:sp>
+        <p:cxnSp>
+          <p:nvCxnSpPr>
+            <p:cNvPr id="24" name="Straight Connector 18">
+              <a:extLst>
+                <a:ext uri="{FF2B5EF4-FFF2-40B4-BE49-F238E27FC236}">
+                  <a16:creationId xmlns:a16="http://schemas.microsoft.com/office/drawing/2014/main" id="{E13B0B90-85DA-E994-90E3-A7EA613F61F2}"/>
+                </a:ext>
+              </a:extLst>
+            </p:cNvPr>
+            <p:cNvCxnSpPr>
+              <a:cxnSpLocks/>
+              <a:endCxn id="23" idx="6"/>
+            </p:cNvCxnSpPr>
+            <p:nvPr/>
+          </p:nvCxnSpPr>
+          <p:spPr>
+            <a:xfrm flipH="1">
+              <a:off x="4394284" y="2083489"/>
+              <a:ext cx="496041" cy="1146"/>
+            </a:xfrm>
+            <a:prstGeom prst="line">
+              <a:avLst/>
+            </a:prstGeom>
+          </p:spPr>
+          <p:style>
+            <a:lnRef idx="3">
+              <a:schemeClr val="dk1"/>
+            </a:lnRef>
+            <a:fillRef idx="0">
+              <a:schemeClr val="dk1"/>
+            </a:fillRef>
+            <a:effectRef idx="2">
+              <a:schemeClr val="dk1"/>
+            </a:effectRef>
+            <a:fontRef idx="minor">
+              <a:schemeClr val="tx1"/>
+            </a:fontRef>
+          </p:style>
+        </p:cxnSp>
+      </p:grpSp>
+      <p:grpSp>
+        <p:nvGrpSpPr>
+          <p:cNvPr id="25" name="Group 27">
+            <a:extLst>
+              <a:ext uri="{FF2B5EF4-FFF2-40B4-BE49-F238E27FC236}">
+                <a16:creationId xmlns:a16="http://schemas.microsoft.com/office/drawing/2014/main" id="{844725DE-86F9-22F2-BE29-50D0A26BA2D7}"/>
+              </a:ext>
+            </a:extLst>
+          </p:cNvPr>
+          <p:cNvGrpSpPr/>
+          <p:nvPr/>
+        </p:nvGrpSpPr>
+        <p:grpSpPr>
+          <a:xfrm>
+            <a:off x="4282104" y="5105982"/>
+            <a:ext cx="659027" cy="169332"/>
+            <a:chOff x="4215907" y="2278395"/>
+            <a:chExt cx="659027" cy="169332"/>
+          </a:xfrm>
+        </p:grpSpPr>
+        <p:sp>
+          <p:nvSpPr>
+            <p:cNvPr id="26" name="Oval 7">
+              <a:extLst>
+                <a:ext uri="{FF2B5EF4-FFF2-40B4-BE49-F238E27FC236}">
+                  <a16:creationId xmlns:a16="http://schemas.microsoft.com/office/drawing/2014/main" id="{14469C7F-C47B-1CBB-FCD2-6403392CF5BF}"/>
+                </a:ext>
+              </a:extLst>
+            </p:cNvPr>
+            <p:cNvSpPr/>
+            <p:nvPr/>
+          </p:nvSpPr>
+          <p:spPr>
+            <a:xfrm>
+              <a:off x="4215907" y="2278395"/>
+              <a:ext cx="169332" cy="169332"/>
+            </a:xfrm>
+            <a:prstGeom prst="ellipse">
+              <a:avLst/>
+            </a:prstGeom>
+            <a:noFill/>
+          </p:spPr>
+          <p:style>
+            <a:lnRef idx="2">
+              <a:schemeClr val="accent1">
+                <a:shade val="15000"/>
+              </a:schemeClr>
+            </a:lnRef>
+            <a:fillRef idx="1">
+              <a:schemeClr val="accent1"/>
+            </a:fillRef>
+            <a:effectRef idx="0">
+              <a:schemeClr val="accent1"/>
+            </a:effectRef>
+            <a:fontRef idx="minor">
+              <a:schemeClr val="lt1"/>
+            </a:fontRef>
+          </p:style>
+          <p:txBody>
+            <a:bodyPr rtlCol="0" anchor="ctr"/>
+            <a:lstStyle/>
+            <a:p>
+              <a:pPr algn="ctr"/>
+              <a:r>
+                <a:rPr lang="es-MX" sz="1200" dirty="0">
+                  <a:solidFill>
+                    <a:schemeClr val="tx1"/>
+                  </a:solidFill>
+                  <a:effectLst>
+                    <a:outerShdw blurRad="38100" dist="38100" dir="2700000" algn="tl">
+                      <a:srgbClr val="000000">
+                        <a:alpha val="43137"/>
+                      </a:srgbClr>
+                    </a:outerShdw>
+                  </a:effectLst>
+                </a:rPr>
+                <a:t>6</a:t>
+              </a:r>
+            </a:p>
+          </p:txBody>
+        </p:sp>
+        <p:cxnSp>
+          <p:nvCxnSpPr>
+            <p:cNvPr id="27" name="Straight Connector 20">
+              <a:extLst>
+                <a:ext uri="{FF2B5EF4-FFF2-40B4-BE49-F238E27FC236}">
+                  <a16:creationId xmlns:a16="http://schemas.microsoft.com/office/drawing/2014/main" id="{927A81BC-8D03-400A-5C77-50910E719665}"/>
+                </a:ext>
+              </a:extLst>
+            </p:cNvPr>
+            <p:cNvCxnSpPr>
+              <a:cxnSpLocks/>
+            </p:cNvCxnSpPr>
+            <p:nvPr/>
+          </p:nvCxnSpPr>
+          <p:spPr>
+            <a:xfrm flipH="1">
+              <a:off x="4378893" y="2363061"/>
+              <a:ext cx="496041" cy="1146"/>
+            </a:xfrm>
+            <a:prstGeom prst="line">
+              <a:avLst/>
+            </a:prstGeom>
+          </p:spPr>
+          <p:style>
+            <a:lnRef idx="3">
+              <a:schemeClr val="dk1"/>
+            </a:lnRef>
+            <a:fillRef idx="0">
+              <a:schemeClr val="dk1"/>
+            </a:fillRef>
+            <a:effectRef idx="2">
+              <a:schemeClr val="dk1"/>
+            </a:effectRef>
+            <a:fontRef idx="minor">
+              <a:schemeClr val="tx1"/>
+            </a:fontRef>
+          </p:style>
+        </p:cxnSp>
+      </p:grpSp>
+      <p:grpSp>
+        <p:nvGrpSpPr>
+          <p:cNvPr id="28" name="Group 32">
+            <a:extLst>
+              <a:ext uri="{FF2B5EF4-FFF2-40B4-BE49-F238E27FC236}">
+                <a16:creationId xmlns:a16="http://schemas.microsoft.com/office/drawing/2014/main" id="{6CEAF656-761A-CE87-54B8-2BA3C147F64F}"/>
+              </a:ext>
+            </a:extLst>
+          </p:cNvPr>
+          <p:cNvGrpSpPr/>
+          <p:nvPr/>
+        </p:nvGrpSpPr>
+        <p:grpSpPr>
+          <a:xfrm>
+            <a:off x="7301426" y="5103615"/>
+            <a:ext cx="666132" cy="169332"/>
+            <a:chOff x="7161187" y="1690478"/>
+            <a:chExt cx="666132" cy="169332"/>
+          </a:xfrm>
+        </p:grpSpPr>
+        <p:sp>
+          <p:nvSpPr>
+            <p:cNvPr id="29" name="Oval 34">
+              <a:extLst>
+                <a:ext uri="{FF2B5EF4-FFF2-40B4-BE49-F238E27FC236}">
+                  <a16:creationId xmlns:a16="http://schemas.microsoft.com/office/drawing/2014/main" id="{03477A97-AEF0-0B76-BEB3-EC2C1D1D2AD6}"/>
+                </a:ext>
+              </a:extLst>
+            </p:cNvPr>
+            <p:cNvSpPr/>
+            <p:nvPr/>
+          </p:nvSpPr>
+          <p:spPr>
+            <a:xfrm>
+              <a:off x="7657987" y="1690478"/>
+              <a:ext cx="169332" cy="169332"/>
+            </a:xfrm>
+            <a:prstGeom prst="ellipse">
+              <a:avLst/>
+            </a:prstGeom>
+            <a:noFill/>
+          </p:spPr>
+          <p:style>
+            <a:lnRef idx="2">
+              <a:schemeClr val="accent1">
+                <a:shade val="15000"/>
+              </a:schemeClr>
+            </a:lnRef>
+            <a:fillRef idx="1">
+              <a:schemeClr val="accent1"/>
+            </a:fillRef>
+            <a:effectRef idx="0">
+              <a:schemeClr val="accent1"/>
+            </a:effectRef>
+            <a:fontRef idx="minor">
+              <a:schemeClr val="lt1"/>
+            </a:fontRef>
+          </p:style>
+          <p:txBody>
+            <a:bodyPr rtlCol="0" anchor="ctr"/>
+            <a:lstStyle/>
+            <a:p>
+              <a:pPr algn="ctr"/>
+              <a:r>
+                <a:rPr lang="es-MX" sz="1200" dirty="0">
+                  <a:solidFill>
+                    <a:schemeClr val="tx1"/>
+                  </a:solidFill>
+                  <a:effectLst>
+                    <a:outerShdw blurRad="38100" dist="38100" dir="2700000" algn="tl">
+                      <a:srgbClr val="000000">
+                        <a:alpha val="43137"/>
+                      </a:srgbClr>
+                    </a:outerShdw>
+                  </a:effectLst>
+                </a:rPr>
+                <a:t>7</a:t>
+              </a:r>
+            </a:p>
+          </p:txBody>
+        </p:sp>
+        <p:cxnSp>
+          <p:nvCxnSpPr>
+            <p:cNvPr id="30" name="Straight Connector 35">
+              <a:extLst>
+                <a:ext uri="{FF2B5EF4-FFF2-40B4-BE49-F238E27FC236}">
+                  <a16:creationId xmlns:a16="http://schemas.microsoft.com/office/drawing/2014/main" id="{39080640-2E08-11D1-F97F-92E5ACFFA135}"/>
+                </a:ext>
+              </a:extLst>
+            </p:cNvPr>
+            <p:cNvCxnSpPr>
+              <a:cxnSpLocks/>
+            </p:cNvCxnSpPr>
+            <p:nvPr/>
+          </p:nvCxnSpPr>
+          <p:spPr>
+            <a:xfrm>
+              <a:off x="7161187" y="1770223"/>
+              <a:ext cx="496800" cy="0"/>
+            </a:xfrm>
+            <a:prstGeom prst="line">
+              <a:avLst/>
+            </a:prstGeom>
+          </p:spPr>
+          <p:style>
+            <a:lnRef idx="3">
+              <a:schemeClr val="dk1"/>
+            </a:lnRef>
+            <a:fillRef idx="0">
+              <a:schemeClr val="dk1"/>
+            </a:fillRef>
+            <a:effectRef idx="2">
+              <a:schemeClr val="dk1"/>
+            </a:effectRef>
+            <a:fontRef idx="minor">
+              <a:schemeClr val="tx1"/>
+            </a:fontRef>
+          </p:style>
+        </p:cxnSp>
+      </p:grpSp>
       <p:sp>
         <p:nvSpPr>
-          <p:cNvPr id="6" name="Rectangle: Rounded Corners 5">
-            <a:extLst>
-              <a:ext uri="{FF2B5EF4-FFF2-40B4-BE49-F238E27FC236}">
-                <a16:creationId xmlns:a16="http://schemas.microsoft.com/office/drawing/2014/main" id="{4064ABF2-5D5D-6A03-09D0-4CF0AF85124D}"/>
+          <p:cNvPr id="31" name="TextBox 9">
+            <a:extLst>
+              <a:ext uri="{FF2B5EF4-FFF2-40B4-BE49-F238E27FC236}">
+                <a16:creationId xmlns:a16="http://schemas.microsoft.com/office/drawing/2014/main" id="{B524B361-C039-8F97-56B6-B53EA8F1C617}"/>
+              </a:ext>
+            </a:extLst>
+          </p:cNvPr>
+          <p:cNvSpPr txBox="1"/>
+          <p:nvPr/>
+        </p:nvSpPr>
+        <p:spPr>
+          <a:xfrm>
+            <a:off x="8538352" y="1120656"/>
+            <a:ext cx="2616334" cy="5247590"/>
+          </a:xfrm>
+          <a:prstGeom prst="rect">
+            <a:avLst/>
+          </a:prstGeom>
+          <a:noFill/>
+          <a:ln w="3175">
+            <a:noFill/>
+          </a:ln>
+        </p:spPr>
+        <p:txBody>
+          <a:bodyPr wrap="square" rtlCol="0">
+            <a:spAutoFit/>
+          </a:bodyPr>
+          <a:lstStyle/>
+          <a:p>
+            <a:pPr>
+              <a:spcAft>
+                <a:spcPts val="300"/>
+              </a:spcAft>
+            </a:pPr>
+            <a:r>
+              <a:rPr lang="es-MX" sz="1400" b="1" dirty="0"/>
+              <a:t>Agregar equipo</a:t>
+            </a:r>
+          </a:p>
+          <a:p>
+            <a:pPr marL="228600" indent="-228600">
+              <a:spcAft>
+                <a:spcPts val="300"/>
+              </a:spcAft>
+              <a:buFont typeface="+mj-lt"/>
+              <a:buAutoNum type="arabicPeriod"/>
+            </a:pPr>
+            <a:r>
+              <a:rPr lang="es-MX" sz="1200" dirty="0"/>
+              <a:t>Seleccionar la opción </a:t>
+            </a:r>
+            <a:r>
+              <a:rPr lang="es-MX" sz="1200" b="1" dirty="0"/>
+              <a:t>”Agregar equipo ” en:</a:t>
+            </a:r>
+          </a:p>
+          <a:p>
+            <a:pPr marL="450850" lvl="1" indent="-231775">
+              <a:spcAft>
+                <a:spcPts val="300"/>
+              </a:spcAft>
+              <a:buFont typeface="+mj-lt"/>
+              <a:buAutoNum type="alphaLcParenR"/>
+            </a:pPr>
+            <a:r>
+              <a:rPr lang="es-MX" sz="1200" dirty="0"/>
+              <a:t>Al final del listado de equipos.</a:t>
+            </a:r>
+          </a:p>
+          <a:p>
+            <a:pPr marL="450850" lvl="1" indent="-231775">
+              <a:spcAft>
+                <a:spcPts val="300"/>
+              </a:spcAft>
+              <a:buFont typeface="+mj-lt"/>
+              <a:buAutoNum type="alphaLcParenR"/>
+            </a:pPr>
+            <a:endParaRPr lang="es-MX" sz="1200" dirty="0"/>
+          </a:p>
+          <a:p>
+            <a:pPr marL="450850" lvl="1" indent="-231775">
+              <a:spcAft>
+                <a:spcPts val="300"/>
+              </a:spcAft>
+              <a:buFont typeface="+mj-lt"/>
+              <a:buAutoNum type="alphaLcParenR"/>
+            </a:pPr>
+            <a:endParaRPr lang="es-MX" sz="1200" dirty="0"/>
+          </a:p>
+          <a:p>
+            <a:pPr marL="450850" lvl="1" indent="-231775">
+              <a:spcAft>
+                <a:spcPts val="300"/>
+              </a:spcAft>
+              <a:buFont typeface="+mj-lt"/>
+              <a:buAutoNum type="alphaLcParenR"/>
+            </a:pPr>
+            <a:r>
+              <a:rPr lang="es-MX" sz="1200" dirty="0"/>
+              <a:t>En las opciones generales del sistema.</a:t>
+            </a:r>
+          </a:p>
+          <a:p>
+            <a:pPr marL="228600" indent="-228600">
+              <a:spcAft>
+                <a:spcPts val="300"/>
+              </a:spcAft>
+              <a:buFont typeface="+mj-lt"/>
+              <a:buAutoNum type="arabicPeriod"/>
+            </a:pPr>
+            <a:endParaRPr lang="es-MX" sz="1200" dirty="0"/>
+          </a:p>
+          <a:p>
+            <a:pPr marL="228600" indent="-228600">
+              <a:spcAft>
+                <a:spcPts val="300"/>
+              </a:spcAft>
+              <a:buFont typeface="+mj-lt"/>
+              <a:buAutoNum type="arabicPeriod"/>
+            </a:pPr>
+            <a:endParaRPr lang="es-MX" sz="1200" dirty="0"/>
+          </a:p>
+          <a:p>
+            <a:pPr marL="228600" indent="-228600">
+              <a:spcAft>
+                <a:spcPts val="300"/>
+              </a:spcAft>
+              <a:buFont typeface="+mj-lt"/>
+              <a:buAutoNum type="arabicPeriod"/>
+            </a:pPr>
+            <a:endParaRPr lang="es-MX" sz="1200" dirty="0"/>
+          </a:p>
+          <a:p>
+            <a:pPr marL="228600" indent="-228600">
+              <a:spcAft>
+                <a:spcPts val="300"/>
+              </a:spcAft>
+              <a:buFont typeface="+mj-lt"/>
+              <a:buAutoNum type="arabicPeriod"/>
+            </a:pPr>
+            <a:endParaRPr lang="es-MX" sz="1200" dirty="0"/>
+          </a:p>
+          <a:p>
+            <a:pPr marL="228600" indent="-228600">
+              <a:spcAft>
+                <a:spcPts val="300"/>
+              </a:spcAft>
+              <a:buFont typeface="+mj-lt"/>
+              <a:buAutoNum type="arabicPeriod"/>
+            </a:pPr>
+            <a:endParaRPr lang="es-MX" sz="1200" dirty="0"/>
+          </a:p>
+          <a:p>
+            <a:pPr marL="228600" indent="-228600">
+              <a:spcAft>
+                <a:spcPts val="300"/>
+              </a:spcAft>
+              <a:buFont typeface="+mj-lt"/>
+              <a:buAutoNum type="arabicPeriod"/>
+            </a:pPr>
+            <a:endParaRPr lang="es-MX" sz="1200" dirty="0"/>
+          </a:p>
+          <a:p>
+            <a:pPr marL="228600" indent="-228600">
+              <a:spcAft>
+                <a:spcPts val="300"/>
+              </a:spcAft>
+              <a:buFont typeface="+mj-lt"/>
+              <a:buAutoNum type="arabicPeriod"/>
+            </a:pPr>
+            <a:endParaRPr lang="es-MX" sz="1200" dirty="0"/>
+          </a:p>
+          <a:p>
+            <a:pPr marL="228600" indent="-228600">
+              <a:spcAft>
+                <a:spcPts val="300"/>
+              </a:spcAft>
+              <a:buFont typeface="+mj-lt"/>
+              <a:buAutoNum type="arabicPeriod"/>
+            </a:pPr>
+            <a:r>
+              <a:rPr lang="es-MX" sz="1200" dirty="0"/>
+              <a:t>Asigna un nombre al equipo.</a:t>
+            </a:r>
+          </a:p>
+          <a:p>
+            <a:pPr marL="228600" indent="-228600">
+              <a:spcAft>
+                <a:spcPts val="300"/>
+              </a:spcAft>
+              <a:buFont typeface="+mj-lt"/>
+              <a:buAutoNum type="arabicPeriod"/>
+            </a:pPr>
+            <a:r>
+              <a:rPr lang="es-MX" sz="1200" dirty="0"/>
+              <a:t>Registra el código que identifica al equipo.</a:t>
+            </a:r>
+          </a:p>
+          <a:p>
+            <a:pPr marL="228600" indent="-228600">
+              <a:spcAft>
+                <a:spcPts val="300"/>
+              </a:spcAft>
+              <a:buFont typeface="+mj-lt"/>
+              <a:buAutoNum type="arabicPeriod"/>
+            </a:pPr>
+            <a:r>
+              <a:rPr lang="es-MX" sz="1200" dirty="0"/>
+              <a:t>Seleccione el tipo de equipo.</a:t>
+            </a:r>
+          </a:p>
+          <a:p>
+            <a:pPr marL="228600" indent="-228600">
+              <a:spcAft>
+                <a:spcPts val="300"/>
+              </a:spcAft>
+              <a:buFont typeface="+mj-lt"/>
+              <a:buAutoNum type="arabicPeriod"/>
+            </a:pPr>
+            <a:r>
+              <a:rPr lang="es-MX" sz="1200" dirty="0"/>
+              <a:t>Registre las coordenadas. </a:t>
+            </a:r>
+          </a:p>
+          <a:p>
+            <a:pPr marL="228600" indent="-228600">
+              <a:spcAft>
+                <a:spcPts val="300"/>
+              </a:spcAft>
+              <a:buFont typeface="+mj-lt"/>
+              <a:buAutoNum type="arabicPeriod"/>
+            </a:pPr>
+            <a:r>
+              <a:rPr lang="es-MX" sz="1200" dirty="0"/>
+              <a:t>Seleccione la serie del equipo.</a:t>
+            </a:r>
+          </a:p>
+          <a:p>
+            <a:pPr marL="228600" indent="-228600">
+              <a:spcAft>
+                <a:spcPts val="300"/>
+              </a:spcAft>
+              <a:buFont typeface="+mj-lt"/>
+              <a:buAutoNum type="arabicPeriod"/>
+            </a:pPr>
+            <a:r>
+              <a:rPr lang="es-MX" sz="1200" dirty="0"/>
+              <a:t>Seleccione zona horaria y especifique si es horario de verano o no.</a:t>
+            </a:r>
+          </a:p>
+        </p:txBody>
+      </p:sp>
+      <p:sp>
+        <p:nvSpPr>
+          <p:cNvPr id="34" name="Rectángulo redondeado 33">
+            <a:extLst>
+              <a:ext uri="{FF2B5EF4-FFF2-40B4-BE49-F238E27FC236}">
+                <a16:creationId xmlns:a16="http://schemas.microsoft.com/office/drawing/2014/main" id="{1CAD7A6F-EC63-4FA4-0274-D48B9B715DB0}"/>
               </a:ext>
             </a:extLst>
           </p:cNvPr>
@@ -11968,28 +13433,43 @@
         </p:nvSpPr>
         <p:spPr>
           <a:xfrm>
-            <a:off x="4803708" y="1120656"/>
-            <a:ext cx="2584583" cy="4616687"/>
+            <a:off x="9269260" y="2038530"/>
+            <a:ext cx="1356987" cy="416571"/>
           </a:xfrm>
           <a:prstGeom prst="roundRect">
             <a:avLst>
-              <a:gd name="adj" fmla="val 1729"/>
+              <a:gd name="adj" fmla="val 5642"/>
             </a:avLst>
           </a:prstGeom>
-          <a:noFill/>
+          <a:blipFill>
+            <a:blip r:embed="rId5"/>
+            <a:stretch>
+              <a:fillRect/>
+            </a:stretch>
+          </a:blipFill>
+          <a:ln w="3175">
+            <a:solidFill>
+              <a:schemeClr val="accent6">
+                <a:lumMod val="60000"/>
+                <a:lumOff val="40000"/>
+              </a:schemeClr>
+            </a:solidFill>
+          </a:ln>
         </p:spPr>
         <p:style>
           <a:lnRef idx="2">
-            <a:schemeClr val="dk1"/>
+            <a:schemeClr val="accent1">
+              <a:shade val="15000"/>
+            </a:schemeClr>
           </a:lnRef>
           <a:fillRef idx="1">
-            <a:schemeClr val="lt1"/>
+            <a:schemeClr val="accent1"/>
           </a:fillRef>
           <a:effectRef idx="0">
-            <a:schemeClr val="dk1"/>
+            <a:schemeClr val="accent1"/>
           </a:effectRef>
           <a:fontRef idx="minor">
-            <a:schemeClr val="dk1"/>
+            <a:schemeClr val="lt1"/>
           </a:fontRef>
         </p:style>
         <p:txBody>
@@ -12001,6 +13481,142 @@
           </a:p>
         </p:txBody>
       </p:sp>
+      <p:pic>
+        <p:nvPicPr>
+          <p:cNvPr id="36" name="Imagen 35">
+            <a:extLst>
+              <a:ext uri="{FF2B5EF4-FFF2-40B4-BE49-F238E27FC236}">
+                <a16:creationId xmlns:a16="http://schemas.microsoft.com/office/drawing/2014/main" id="{0DB01444-D95F-E14E-82B4-CAA49B281BAC}"/>
+              </a:ext>
+            </a:extLst>
+          </p:cNvPr>
+          <p:cNvPicPr>
+            <a:picLocks noChangeAspect="1"/>
+          </p:cNvPicPr>
+          <p:nvPr/>
+        </p:nvPicPr>
+        <p:blipFill>
+          <a:blip r:embed="rId6">
+            <a:extLst>
+              <a:ext uri="{28A0092B-C50C-407E-A947-70E740481C1C}">
+                <a14:useLocalDpi xmlns:a14="http://schemas.microsoft.com/office/drawing/2010/main" val="0"/>
+              </a:ext>
+            </a:extLst>
+          </a:blip>
+          <a:stretch>
+            <a:fillRect/>
+          </a:stretch>
+        </p:blipFill>
+        <p:spPr>
+          <a:xfrm>
+            <a:off x="9269260" y="2854540"/>
+            <a:ext cx="1356987" cy="1524862"/>
+          </a:xfrm>
+          <a:prstGeom prst="rect">
+            <a:avLst/>
+          </a:prstGeom>
+        </p:spPr>
+      </p:pic>
+      <p:sp>
+        <p:nvSpPr>
+          <p:cNvPr id="38" name="Rectangle: Rounded Corners 1">
+            <a:extLst>
+              <a:ext uri="{FF2B5EF4-FFF2-40B4-BE49-F238E27FC236}">
+                <a16:creationId xmlns:a16="http://schemas.microsoft.com/office/drawing/2014/main" id="{127924D0-F08B-7BCA-6168-BD054539EC32}"/>
+              </a:ext>
+            </a:extLst>
+          </p:cNvPr>
+          <p:cNvSpPr/>
+          <p:nvPr/>
+        </p:nvSpPr>
+        <p:spPr>
+          <a:xfrm>
+            <a:off x="9330608" y="3227203"/>
+            <a:ext cx="1245761" cy="201798"/>
+          </a:xfrm>
+          <a:prstGeom prst="roundRect">
+            <a:avLst/>
+          </a:prstGeom>
+          <a:noFill/>
+          <a:ln w="28575">
+            <a:solidFill>
+              <a:srgbClr val="C00000"/>
+            </a:solidFill>
+            <a:prstDash val="sysDash"/>
+          </a:ln>
+        </p:spPr>
+        <p:style>
+          <a:lnRef idx="2">
+            <a:schemeClr val="accent1">
+              <a:shade val="15000"/>
+            </a:schemeClr>
+          </a:lnRef>
+          <a:fillRef idx="1">
+            <a:schemeClr val="accent1"/>
+          </a:fillRef>
+          <a:effectRef idx="0">
+            <a:schemeClr val="accent1"/>
+          </a:effectRef>
+          <a:fontRef idx="minor">
+            <a:schemeClr val="lt1"/>
+          </a:fontRef>
+        </p:style>
+        <p:txBody>
+          <a:bodyPr rtlCol="0" anchor="ctr"/>
+          <a:lstStyle/>
+          <a:p>
+            <a:pPr algn="ctr"/>
+            <a:endParaRPr lang="es-MX"/>
+          </a:p>
+        </p:txBody>
+      </p:sp>
+      <p:pic>
+        <p:nvPicPr>
+          <p:cNvPr id="37" name="Graphic 3" descr="Right pointing backhand index with solid fill">
+            <a:extLst>
+              <a:ext uri="{FF2B5EF4-FFF2-40B4-BE49-F238E27FC236}">
+                <a16:creationId xmlns:a16="http://schemas.microsoft.com/office/drawing/2014/main" id="{157D8F27-CEDE-1E4D-9127-55BFB740DC95}"/>
+              </a:ext>
+            </a:extLst>
+          </p:cNvPr>
+          <p:cNvPicPr>
+            <a:picLocks noChangeAspect="1"/>
+          </p:cNvPicPr>
+          <p:nvPr/>
+        </p:nvPicPr>
+        <p:blipFill>
+          <a:blip r:embed="rId3">
+            <a:extLst>
+              <a:ext uri="{28A0092B-C50C-407E-A947-70E740481C1C}">
+                <a14:useLocalDpi xmlns:a14="http://schemas.microsoft.com/office/drawing/2010/main" val="0"/>
+              </a:ext>
+              <a:ext uri="{96DAC541-7B7A-43D3-8B79-37D633B846F1}">
+                <asvg:svgBlip xmlns:asvg="http://schemas.microsoft.com/office/drawing/2016/SVG/main" r:embed="rId4"/>
+              </a:ext>
+            </a:extLst>
+          </a:blip>
+          <a:stretch>
+            <a:fillRect/>
+          </a:stretch>
+        </p:blipFill>
+        <p:spPr>
+          <a:xfrm rot="15020035">
+            <a:off x="10150652" y="3284911"/>
+            <a:ext cx="291509" cy="291509"/>
+          </a:xfrm>
+          <a:prstGeom prst="rect">
+            <a:avLst/>
+          </a:prstGeom>
+          <a:effectLst>
+            <a:glow rad="63500">
+              <a:schemeClr val="accent4">
+                <a:satMod val="175000"/>
+                <a:alpha val="40000"/>
+              </a:schemeClr>
+            </a:glow>
+          </a:effectLst>
+        </p:spPr>
+      </p:pic>
     </p:spTree>
     <p:extLst>
       <p:ext uri="{BB962C8B-B14F-4D97-AF65-F5344CB8AC3E}">
@@ -12031,12 +13647,231 @@
           <a:chExt cx="0" cy="0"/>
         </a:xfrm>
       </p:grpSpPr>
+      <p:pic>
+        <p:nvPicPr>
+          <p:cNvPr id="3" name="Imagen 2">
+            <a:extLst>
+              <a:ext uri="{FF2B5EF4-FFF2-40B4-BE49-F238E27FC236}">
+                <a16:creationId xmlns:a16="http://schemas.microsoft.com/office/drawing/2014/main" id="{E6BFB41A-9DA0-3E24-25BA-0279D912D84C}"/>
+              </a:ext>
+            </a:extLst>
+          </p:cNvPr>
+          <p:cNvPicPr>
+            <a:picLocks noChangeAspect="1"/>
+          </p:cNvPicPr>
+          <p:nvPr/>
+        </p:nvPicPr>
+        <p:blipFill>
+          <a:blip r:embed="rId2">
+            <a:extLst>
+              <a:ext uri="{28A0092B-C50C-407E-A947-70E740481C1C}">
+                <a14:useLocalDpi xmlns:a14="http://schemas.microsoft.com/office/drawing/2010/main" val="0"/>
+              </a:ext>
+            </a:extLst>
+          </a:blip>
+          <a:stretch>
+            <a:fillRect/>
+          </a:stretch>
+        </p:blipFill>
+        <p:spPr>
+          <a:xfrm>
+            <a:off x="4778860" y="1019758"/>
+            <a:ext cx="2634280" cy="4616687"/>
+          </a:xfrm>
+          <a:prstGeom prst="rect">
+            <a:avLst/>
+          </a:prstGeom>
+        </p:spPr>
+      </p:pic>
       <p:sp>
         <p:nvSpPr>
-          <p:cNvPr id="6" name="Rectangle: Rounded Corners 5">
-            <a:extLst>
-              <a:ext uri="{FF2B5EF4-FFF2-40B4-BE49-F238E27FC236}">
-                <a16:creationId xmlns:a16="http://schemas.microsoft.com/office/drawing/2014/main" id="{4064ABF2-5D5D-6A03-09D0-4CF0AF85124D}"/>
+          <p:cNvPr id="7" name="TextBox 9">
+            <a:extLst>
+              <a:ext uri="{FF2B5EF4-FFF2-40B4-BE49-F238E27FC236}">
+                <a16:creationId xmlns:a16="http://schemas.microsoft.com/office/drawing/2014/main" id="{08DA387A-DD95-1B09-CEB1-615C04EA7DE4}"/>
+              </a:ext>
+            </a:extLst>
+          </p:cNvPr>
+          <p:cNvSpPr txBox="1"/>
+          <p:nvPr/>
+        </p:nvSpPr>
+        <p:spPr>
+          <a:xfrm>
+            <a:off x="8538352" y="1120656"/>
+            <a:ext cx="2616334" cy="3054682"/>
+          </a:xfrm>
+          <a:prstGeom prst="rect">
+            <a:avLst/>
+          </a:prstGeom>
+          <a:noFill/>
+          <a:ln w="3175">
+            <a:noFill/>
+          </a:ln>
+        </p:spPr>
+        <p:txBody>
+          <a:bodyPr wrap="square" rtlCol="0">
+            <a:spAutoFit/>
+          </a:bodyPr>
+          <a:lstStyle/>
+          <a:p>
+            <a:pPr>
+              <a:spcAft>
+                <a:spcPts val="300"/>
+              </a:spcAft>
+            </a:pPr>
+            <a:r>
+              <a:rPr lang="es-MX" sz="1400" b="1" dirty="0"/>
+              <a:t>Agregar equipo</a:t>
+            </a:r>
+          </a:p>
+          <a:p>
+            <a:pPr marL="228600" indent="-228600">
+              <a:spcAft>
+                <a:spcPts val="300"/>
+              </a:spcAft>
+              <a:buFont typeface="+mj-lt"/>
+              <a:buAutoNum type="arabicPeriod"/>
+            </a:pPr>
+            <a:r>
+              <a:rPr lang="es-MX" sz="1200" dirty="0"/>
+              <a:t>Seleccionar la opción </a:t>
+            </a:r>
+            <a:r>
+              <a:rPr lang="es-MX" sz="1200" b="1" dirty="0"/>
+              <a:t>”Fichas Técnicas” </a:t>
+            </a:r>
+            <a:r>
+              <a:rPr lang="es-MX" sz="1200" dirty="0"/>
+              <a:t>en: las opciones generales del sistema.</a:t>
+            </a:r>
+          </a:p>
+          <a:p>
+            <a:pPr marL="228600" indent="-228600">
+              <a:spcAft>
+                <a:spcPts val="300"/>
+              </a:spcAft>
+              <a:buFont typeface="+mj-lt"/>
+              <a:buAutoNum type="arabicPeriod"/>
+            </a:pPr>
+            <a:endParaRPr lang="es-MX" sz="1200" dirty="0"/>
+          </a:p>
+          <a:p>
+            <a:pPr marL="228600" indent="-228600">
+              <a:spcAft>
+                <a:spcPts val="300"/>
+              </a:spcAft>
+              <a:buFont typeface="+mj-lt"/>
+              <a:buAutoNum type="arabicPeriod"/>
+            </a:pPr>
+            <a:endParaRPr lang="es-MX" sz="1200" dirty="0"/>
+          </a:p>
+          <a:p>
+            <a:pPr marL="228600" indent="-228600">
+              <a:spcAft>
+                <a:spcPts val="300"/>
+              </a:spcAft>
+              <a:buFont typeface="+mj-lt"/>
+              <a:buAutoNum type="arabicPeriod"/>
+            </a:pPr>
+            <a:endParaRPr lang="es-MX" sz="1200" dirty="0"/>
+          </a:p>
+          <a:p>
+            <a:pPr marL="228600" indent="-228600">
+              <a:spcAft>
+                <a:spcPts val="300"/>
+              </a:spcAft>
+              <a:buFont typeface="+mj-lt"/>
+              <a:buAutoNum type="arabicPeriod"/>
+            </a:pPr>
+            <a:endParaRPr lang="es-MX" sz="1200" dirty="0"/>
+          </a:p>
+          <a:p>
+            <a:pPr marL="228600" indent="-228600">
+              <a:spcAft>
+                <a:spcPts val="300"/>
+              </a:spcAft>
+              <a:buFont typeface="+mj-lt"/>
+              <a:buAutoNum type="arabicPeriod"/>
+            </a:pPr>
+            <a:endParaRPr lang="es-MX" sz="1200" dirty="0"/>
+          </a:p>
+          <a:p>
+            <a:pPr marL="228600" indent="-228600">
+              <a:spcAft>
+                <a:spcPts val="300"/>
+              </a:spcAft>
+              <a:buFont typeface="+mj-lt"/>
+              <a:buAutoNum type="arabicPeriod"/>
+            </a:pPr>
+            <a:endParaRPr lang="es-MX" sz="1200" dirty="0"/>
+          </a:p>
+          <a:p>
+            <a:pPr marL="228600" indent="-228600">
+              <a:spcAft>
+                <a:spcPts val="300"/>
+              </a:spcAft>
+              <a:buFont typeface="+mj-lt"/>
+              <a:buAutoNum type="arabicPeriod"/>
+            </a:pPr>
+            <a:endParaRPr lang="es-MX" sz="1200" dirty="0"/>
+          </a:p>
+          <a:p>
+            <a:pPr marL="228600" indent="-228600">
+              <a:spcAft>
+                <a:spcPts val="300"/>
+              </a:spcAft>
+              <a:buFont typeface="+mj-lt"/>
+              <a:buAutoNum type="arabicPeriod"/>
+            </a:pPr>
+            <a:r>
+              <a:rPr lang="es-MX" sz="1200" dirty="0"/>
+              <a:t>Se muestra una línea de tiempo con las actividades a realizar y las dosis requeridas.</a:t>
+            </a:r>
+          </a:p>
+        </p:txBody>
+      </p:sp>
+      <p:pic>
+        <p:nvPicPr>
+          <p:cNvPr id="9" name="Imagen 8">
+            <a:extLst>
+              <a:ext uri="{FF2B5EF4-FFF2-40B4-BE49-F238E27FC236}">
+                <a16:creationId xmlns:a16="http://schemas.microsoft.com/office/drawing/2014/main" id="{81FC7F38-A6FD-BAC8-218A-2F818B94704E}"/>
+              </a:ext>
+            </a:extLst>
+          </p:cNvPr>
+          <p:cNvPicPr>
+            <a:picLocks noChangeAspect="1"/>
+          </p:cNvPicPr>
+          <p:nvPr/>
+        </p:nvPicPr>
+        <p:blipFill>
+          <a:blip r:embed="rId3">
+            <a:extLst>
+              <a:ext uri="{28A0092B-C50C-407E-A947-70E740481C1C}">
+                <a14:useLocalDpi xmlns:a14="http://schemas.microsoft.com/office/drawing/2010/main" val="0"/>
+              </a:ext>
+            </a:extLst>
+          </a:blip>
+          <a:stretch>
+            <a:fillRect/>
+          </a:stretch>
+        </p:blipFill>
+        <p:spPr>
+          <a:xfrm>
+            <a:off x="9168025" y="2007701"/>
+            <a:ext cx="1356987" cy="1524862"/>
+          </a:xfrm>
+          <a:prstGeom prst="rect">
+            <a:avLst/>
+          </a:prstGeom>
+        </p:spPr>
+      </p:pic>
+      <p:sp>
+        <p:nvSpPr>
+          <p:cNvPr id="10" name="Rectangle: Rounded Corners 1">
+            <a:extLst>
+              <a:ext uri="{FF2B5EF4-FFF2-40B4-BE49-F238E27FC236}">
+                <a16:creationId xmlns:a16="http://schemas.microsoft.com/office/drawing/2014/main" id="{E647B21E-2BDB-7BC4-00CF-DA0AE9EB7092}"/>
               </a:ext>
             </a:extLst>
           </p:cNvPr>
@@ -12045,28 +13880,34 @@
         </p:nvSpPr>
         <p:spPr>
           <a:xfrm>
-            <a:off x="4803708" y="1120656"/>
-            <a:ext cx="2584583" cy="4616687"/>
+            <a:off x="9222979" y="2594157"/>
+            <a:ext cx="1245761" cy="201798"/>
           </a:xfrm>
           <a:prstGeom prst="roundRect">
-            <a:avLst>
-              <a:gd name="adj" fmla="val 1729"/>
-            </a:avLst>
+            <a:avLst/>
           </a:prstGeom>
           <a:noFill/>
+          <a:ln w="28575">
+            <a:solidFill>
+              <a:srgbClr val="C00000"/>
+            </a:solidFill>
+            <a:prstDash val="sysDash"/>
+          </a:ln>
         </p:spPr>
         <p:style>
           <a:lnRef idx="2">
-            <a:schemeClr val="dk1"/>
+            <a:schemeClr val="accent1">
+              <a:shade val="15000"/>
+            </a:schemeClr>
           </a:lnRef>
           <a:fillRef idx="1">
-            <a:schemeClr val="lt1"/>
+            <a:schemeClr val="accent1"/>
           </a:fillRef>
           <a:effectRef idx="0">
-            <a:schemeClr val="dk1"/>
+            <a:schemeClr val="accent1"/>
           </a:effectRef>
           <a:fontRef idx="minor">
-            <a:schemeClr val="dk1"/>
+            <a:schemeClr val="lt1"/>
           </a:fontRef>
         </p:style>
         <p:txBody>
@@ -12078,6 +13919,100 @@
           </a:p>
         </p:txBody>
       </p:sp>
+      <p:pic>
+        <p:nvPicPr>
+          <p:cNvPr id="11" name="Graphic 3" descr="Right pointing backhand index with solid fill">
+            <a:extLst>
+              <a:ext uri="{FF2B5EF4-FFF2-40B4-BE49-F238E27FC236}">
+                <a16:creationId xmlns:a16="http://schemas.microsoft.com/office/drawing/2014/main" id="{5806E6E2-BCEC-BFA2-E501-0D939771380D}"/>
+              </a:ext>
+            </a:extLst>
+          </p:cNvPr>
+          <p:cNvPicPr>
+            <a:picLocks noChangeAspect="1"/>
+          </p:cNvPicPr>
+          <p:nvPr/>
+        </p:nvPicPr>
+        <p:blipFill>
+          <a:blip r:embed="rId4">
+            <a:extLst>
+              <a:ext uri="{28A0092B-C50C-407E-A947-70E740481C1C}">
+                <a14:useLocalDpi xmlns:a14="http://schemas.microsoft.com/office/drawing/2010/main" val="0"/>
+              </a:ext>
+              <a:ext uri="{96DAC541-7B7A-43D3-8B79-37D633B846F1}">
+                <asvg:svgBlip xmlns:asvg="http://schemas.microsoft.com/office/drawing/2016/SVG/main" r:embed="rId5"/>
+              </a:ext>
+            </a:extLst>
+          </a:blip>
+          <a:stretch>
+            <a:fillRect/>
+          </a:stretch>
+        </p:blipFill>
+        <p:spPr>
+          <a:xfrm rot="15020035">
+            <a:off x="10043023" y="2651865"/>
+            <a:ext cx="291509" cy="291509"/>
+          </a:xfrm>
+          <a:prstGeom prst="rect">
+            <a:avLst/>
+          </a:prstGeom>
+          <a:effectLst>
+            <a:glow rad="63500">
+              <a:schemeClr val="accent4">
+                <a:satMod val="175000"/>
+                <a:alpha val="40000"/>
+              </a:schemeClr>
+            </a:glow>
+          </a:effectLst>
+        </p:spPr>
+      </p:pic>
+      <p:pic>
+        <p:nvPicPr>
+          <p:cNvPr id="15" name="Graphic 20" descr="Right pointing backhand index with solid fill">
+            <a:extLst>
+              <a:ext uri="{FF2B5EF4-FFF2-40B4-BE49-F238E27FC236}">
+                <a16:creationId xmlns:a16="http://schemas.microsoft.com/office/drawing/2014/main" id="{F3AD7BC5-B0AE-19B3-CAA0-6A1B1F299BEB}"/>
+              </a:ext>
+            </a:extLst>
+          </p:cNvPr>
+          <p:cNvPicPr>
+            <a:picLocks noChangeAspect="1"/>
+          </p:cNvPicPr>
+          <p:nvPr/>
+        </p:nvPicPr>
+        <p:blipFill>
+          <a:blip r:embed="rId4">
+            <a:extLst>
+              <a:ext uri="{28A0092B-C50C-407E-A947-70E740481C1C}">
+                <a14:useLocalDpi xmlns:a14="http://schemas.microsoft.com/office/drawing/2010/main" val="0"/>
+              </a:ext>
+              <a:ext uri="{96DAC541-7B7A-43D3-8B79-37D633B846F1}">
+                <asvg:svgBlip xmlns:asvg="http://schemas.microsoft.com/office/drawing/2016/SVG/main" r:embed="rId5"/>
+              </a:ext>
+            </a:extLst>
+          </a:blip>
+          <a:stretch>
+            <a:fillRect/>
+          </a:stretch>
+        </p:blipFill>
+        <p:spPr>
+          <a:xfrm rot="15020035">
+            <a:off x="6352046" y="2548058"/>
+            <a:ext cx="495794" cy="495794"/>
+          </a:xfrm>
+          <a:prstGeom prst="rect">
+            <a:avLst/>
+          </a:prstGeom>
+          <a:effectLst>
+            <a:glow rad="63500">
+              <a:schemeClr val="accent4">
+                <a:satMod val="175000"/>
+                <a:alpha val="40000"/>
+              </a:schemeClr>
+            </a:glow>
+          </a:effectLst>
+        </p:spPr>
+      </p:pic>
     </p:spTree>
     <p:extLst>
       <p:ext uri="{BB962C8B-B14F-4D97-AF65-F5344CB8AC3E}">
@@ -12108,53 +14043,42 @@
           <a:chExt cx="0" cy="0"/>
         </a:xfrm>
       </p:grpSpPr>
-      <p:sp>
-        <p:nvSpPr>
-          <p:cNvPr id="6" name="Rectangle: Rounded Corners 5">
-            <a:extLst>
-              <a:ext uri="{FF2B5EF4-FFF2-40B4-BE49-F238E27FC236}">
-                <a16:creationId xmlns:a16="http://schemas.microsoft.com/office/drawing/2014/main" id="{4064ABF2-5D5D-6A03-09D0-4CF0AF85124D}"/>
-              </a:ext>
-            </a:extLst>
-          </p:cNvPr>
-          <p:cNvSpPr/>
-          <p:nvPr/>
-        </p:nvSpPr>
+      <p:pic>
+        <p:nvPicPr>
+          <p:cNvPr id="2" name="Imagen 1">
+            <a:extLst>
+              <a:ext uri="{FF2B5EF4-FFF2-40B4-BE49-F238E27FC236}">
+                <a16:creationId xmlns:a16="http://schemas.microsoft.com/office/drawing/2014/main" id="{E03FFCAC-B431-07CE-1828-F5EFEF72E95F}"/>
+              </a:ext>
+            </a:extLst>
+          </p:cNvPr>
+          <p:cNvPicPr>
+            <a:picLocks noChangeAspect="1"/>
+          </p:cNvPicPr>
+          <p:nvPr/>
+        </p:nvPicPr>
+        <p:blipFill>
+          <a:blip r:embed="rId2">
+            <a:extLst>
+              <a:ext uri="{28A0092B-C50C-407E-A947-70E740481C1C}">
+                <a14:useLocalDpi xmlns:a14="http://schemas.microsoft.com/office/drawing/2010/main" val="0"/>
+              </a:ext>
+            </a:extLst>
+          </a:blip>
+          <a:stretch>
+            <a:fillRect/>
+          </a:stretch>
+        </p:blipFill>
         <p:spPr>
           <a:xfrm>
-            <a:off x="4803708" y="1120656"/>
-            <a:ext cx="2584583" cy="4616687"/>
-          </a:xfrm>
-          <a:prstGeom prst="roundRect">
-            <a:avLst>
-              <a:gd name="adj" fmla="val 1729"/>
-            </a:avLst>
-          </a:prstGeom>
-          <a:noFill/>
-        </p:spPr>
-        <p:style>
-          <a:lnRef idx="2">
-            <a:schemeClr val="dk1"/>
-          </a:lnRef>
-          <a:fillRef idx="1">
-            <a:schemeClr val="lt1"/>
-          </a:fillRef>
-          <a:effectRef idx="0">
-            <a:schemeClr val="dk1"/>
-          </a:effectRef>
-          <a:fontRef idx="minor">
-            <a:schemeClr val="dk1"/>
-          </a:fontRef>
-        </p:style>
-        <p:txBody>
-          <a:bodyPr rtlCol="0" anchor="ctr"/>
-          <a:lstStyle/>
-          <a:p>
-            <a:pPr algn="ctr"/>
-            <a:endParaRPr lang="es-MX"/>
-          </a:p>
-        </p:txBody>
-      </p:sp>
+            <a:off x="4764263" y="1120656"/>
+            <a:ext cx="2663473" cy="4616687"/>
+          </a:xfrm>
+          <a:prstGeom prst="rect">
+            <a:avLst/>
+          </a:prstGeom>
+        </p:spPr>
+      </p:pic>
     </p:spTree>
     <p:extLst>
       <p:ext uri="{BB962C8B-B14F-4D97-AF65-F5344CB8AC3E}">

--- a/Documentación/Protocolos/Ayuda.pptx
+++ b/Documentación/Protocolos/Ayuda.pptx
@@ -16,6 +16,7 @@
     <p:sldId id="261" r:id="rId10"/>
     <p:sldId id="262" r:id="rId11"/>
     <p:sldId id="263" r:id="rId12"/>
+    <p:sldId id="267" r:id="rId13"/>
   </p:sldIdLst>
   <p:sldSz cx="12192000" cy="6858000"/>
   <p:notesSz cx="6858000" cy="9144000"/>
@@ -271,7 +272,7 @@
           <a:p>
             <a:fld id="{A63A657D-5197-4337-87F9-BD9C6FE30B51}" type="datetimeFigureOut">
               <a:rPr lang="es-MX" smtClean="0"/>
-              <a:t>15/01/24</a:t>
+              <a:t>16/11/2024</a:t>
             </a:fld>
             <a:endParaRPr lang="es-MX"/>
           </a:p>
@@ -325,7 +326,7 @@
           <a:p>
             <a:fld id="{9EF224B0-F2DB-4E93-8E41-E7A3898BA84F}" type="slidenum">
               <a:rPr lang="es-MX" smtClean="0"/>
-              <a:t>‹Nº›</a:t>
+              <a:t>‹#›</a:t>
             </a:fld>
             <a:endParaRPr lang="es-MX"/>
           </a:p>
@@ -471,7 +472,7 @@
           <a:p>
             <a:fld id="{A63A657D-5197-4337-87F9-BD9C6FE30B51}" type="datetimeFigureOut">
               <a:rPr lang="es-MX" smtClean="0"/>
-              <a:t>15/01/24</a:t>
+              <a:t>16/11/2024</a:t>
             </a:fld>
             <a:endParaRPr lang="es-MX"/>
           </a:p>
@@ -525,7 +526,7 @@
           <a:p>
             <a:fld id="{9EF224B0-F2DB-4E93-8E41-E7A3898BA84F}" type="slidenum">
               <a:rPr lang="es-MX" smtClean="0"/>
-              <a:t>‹Nº›</a:t>
+              <a:t>‹#›</a:t>
             </a:fld>
             <a:endParaRPr lang="es-MX"/>
           </a:p>
@@ -681,7 +682,7 @@
           <a:p>
             <a:fld id="{A63A657D-5197-4337-87F9-BD9C6FE30B51}" type="datetimeFigureOut">
               <a:rPr lang="es-MX" smtClean="0"/>
-              <a:t>15/01/24</a:t>
+              <a:t>16/11/2024</a:t>
             </a:fld>
             <a:endParaRPr lang="es-MX"/>
           </a:p>
@@ -735,7 +736,7 @@
           <a:p>
             <a:fld id="{9EF224B0-F2DB-4E93-8E41-E7A3898BA84F}" type="slidenum">
               <a:rPr lang="es-MX" smtClean="0"/>
-              <a:t>‹Nº›</a:t>
+              <a:t>‹#›</a:t>
             </a:fld>
             <a:endParaRPr lang="es-MX"/>
           </a:p>
@@ -881,7 +882,7 @@
           <a:p>
             <a:fld id="{A63A657D-5197-4337-87F9-BD9C6FE30B51}" type="datetimeFigureOut">
               <a:rPr lang="es-MX" smtClean="0"/>
-              <a:t>15/01/24</a:t>
+              <a:t>16/11/2024</a:t>
             </a:fld>
             <a:endParaRPr lang="es-MX"/>
           </a:p>
@@ -935,7 +936,7 @@
           <a:p>
             <a:fld id="{9EF224B0-F2DB-4E93-8E41-E7A3898BA84F}" type="slidenum">
               <a:rPr lang="es-MX" smtClean="0"/>
-              <a:t>‹Nº›</a:t>
+              <a:t>‹#›</a:t>
             </a:fld>
             <a:endParaRPr lang="es-MX"/>
           </a:p>
@@ -1157,7 +1158,7 @@
           <a:p>
             <a:fld id="{A63A657D-5197-4337-87F9-BD9C6FE30B51}" type="datetimeFigureOut">
               <a:rPr lang="es-MX" smtClean="0"/>
-              <a:t>15/01/24</a:t>
+              <a:t>16/11/2024</a:t>
             </a:fld>
             <a:endParaRPr lang="es-MX"/>
           </a:p>
@@ -1211,7 +1212,7 @@
           <a:p>
             <a:fld id="{9EF224B0-F2DB-4E93-8E41-E7A3898BA84F}" type="slidenum">
               <a:rPr lang="es-MX" smtClean="0"/>
-              <a:t>‹Nº›</a:t>
+              <a:t>‹#›</a:t>
             </a:fld>
             <a:endParaRPr lang="es-MX"/>
           </a:p>
@@ -1425,7 +1426,7 @@
           <a:p>
             <a:fld id="{A63A657D-5197-4337-87F9-BD9C6FE30B51}" type="datetimeFigureOut">
               <a:rPr lang="es-MX" smtClean="0"/>
-              <a:t>15/01/24</a:t>
+              <a:t>16/11/2024</a:t>
             </a:fld>
             <a:endParaRPr lang="es-MX"/>
           </a:p>
@@ -1479,7 +1480,7 @@
           <a:p>
             <a:fld id="{9EF224B0-F2DB-4E93-8E41-E7A3898BA84F}" type="slidenum">
               <a:rPr lang="es-MX" smtClean="0"/>
-              <a:t>‹Nº›</a:t>
+              <a:t>‹#›</a:t>
             </a:fld>
             <a:endParaRPr lang="es-MX"/>
           </a:p>
@@ -1840,7 +1841,7 @@
           <a:p>
             <a:fld id="{A63A657D-5197-4337-87F9-BD9C6FE30B51}" type="datetimeFigureOut">
               <a:rPr lang="es-MX" smtClean="0"/>
-              <a:t>15/01/24</a:t>
+              <a:t>16/11/2024</a:t>
             </a:fld>
             <a:endParaRPr lang="es-MX"/>
           </a:p>
@@ -1894,7 +1895,7 @@
           <a:p>
             <a:fld id="{9EF224B0-F2DB-4E93-8E41-E7A3898BA84F}" type="slidenum">
               <a:rPr lang="es-MX" smtClean="0"/>
-              <a:t>‹Nº›</a:t>
+              <a:t>‹#›</a:t>
             </a:fld>
             <a:endParaRPr lang="es-MX"/>
           </a:p>
@@ -1982,7 +1983,7 @@
           <a:p>
             <a:fld id="{A63A657D-5197-4337-87F9-BD9C6FE30B51}" type="datetimeFigureOut">
               <a:rPr lang="es-MX" smtClean="0"/>
-              <a:t>15/01/24</a:t>
+              <a:t>16/11/2024</a:t>
             </a:fld>
             <a:endParaRPr lang="es-MX"/>
           </a:p>
@@ -2036,7 +2037,7 @@
           <a:p>
             <a:fld id="{9EF224B0-F2DB-4E93-8E41-E7A3898BA84F}" type="slidenum">
               <a:rPr lang="es-MX" smtClean="0"/>
-              <a:t>‹Nº›</a:t>
+              <a:t>‹#›</a:t>
             </a:fld>
             <a:endParaRPr lang="es-MX"/>
           </a:p>
@@ -2095,7 +2096,7 @@
           <a:p>
             <a:fld id="{A63A657D-5197-4337-87F9-BD9C6FE30B51}" type="datetimeFigureOut">
               <a:rPr lang="es-MX" smtClean="0"/>
-              <a:t>15/01/24</a:t>
+              <a:t>16/11/2024</a:t>
             </a:fld>
             <a:endParaRPr lang="es-MX"/>
           </a:p>
@@ -2149,7 +2150,7 @@
           <a:p>
             <a:fld id="{9EF224B0-F2DB-4E93-8E41-E7A3898BA84F}" type="slidenum">
               <a:rPr lang="es-MX" smtClean="0"/>
-              <a:t>‹Nº›</a:t>
+              <a:t>‹#›</a:t>
             </a:fld>
             <a:endParaRPr lang="es-MX"/>
           </a:p>
@@ -2408,7 +2409,7 @@
           <a:p>
             <a:fld id="{A63A657D-5197-4337-87F9-BD9C6FE30B51}" type="datetimeFigureOut">
               <a:rPr lang="es-MX" smtClean="0"/>
-              <a:t>15/01/24</a:t>
+              <a:t>16/11/2024</a:t>
             </a:fld>
             <a:endParaRPr lang="es-MX"/>
           </a:p>
@@ -2462,7 +2463,7 @@
           <a:p>
             <a:fld id="{9EF224B0-F2DB-4E93-8E41-E7A3898BA84F}" type="slidenum">
               <a:rPr lang="es-MX" smtClean="0"/>
-              <a:t>‹Nº›</a:t>
+              <a:t>‹#›</a:t>
             </a:fld>
             <a:endParaRPr lang="es-MX"/>
           </a:p>
@@ -2697,7 +2698,7 @@
           <a:p>
             <a:fld id="{A63A657D-5197-4337-87F9-BD9C6FE30B51}" type="datetimeFigureOut">
               <a:rPr lang="es-MX" smtClean="0"/>
-              <a:t>15/01/24</a:t>
+              <a:t>16/11/2024</a:t>
             </a:fld>
             <a:endParaRPr lang="es-MX"/>
           </a:p>
@@ -2751,7 +2752,7 @@
           <a:p>
             <a:fld id="{9EF224B0-F2DB-4E93-8E41-E7A3898BA84F}" type="slidenum">
               <a:rPr lang="es-MX" smtClean="0"/>
-              <a:t>‹Nº›</a:t>
+              <a:t>‹#›</a:t>
             </a:fld>
             <a:endParaRPr lang="es-MX"/>
           </a:p>
@@ -2940,7 +2941,7 @@
           <a:p>
             <a:fld id="{A63A657D-5197-4337-87F9-BD9C6FE30B51}" type="datetimeFigureOut">
               <a:rPr lang="es-MX" smtClean="0"/>
-              <a:t>15/01/24</a:t>
+              <a:t>16/11/2024</a:t>
             </a:fld>
             <a:endParaRPr lang="es-MX"/>
           </a:p>
@@ -3030,7 +3031,7 @@
           <a:p>
             <a:fld id="{9EF224B0-F2DB-4E93-8E41-E7A3898BA84F}" type="slidenum">
               <a:rPr lang="es-MX" smtClean="0"/>
-              <a:t>‹Nº›</a:t>
+              <a:t>‹#›</a:t>
             </a:fld>
             <a:endParaRPr lang="es-MX"/>
           </a:p>
@@ -5418,6 +5419,84 @@
 </p:sld>
 </file>
 
+<file path=ppt/slides/slide12.xml><?xml version="1.0" encoding="utf-8"?>
+<p:sld xmlns:a="http://schemas.openxmlformats.org/drawingml/2006/main" xmlns:r="http://schemas.openxmlformats.org/officeDocument/2006/relationships" xmlns:p="http://schemas.openxmlformats.org/presentationml/2006/main">
+  <p:cSld>
+    <p:spTree>
+      <p:nvGrpSpPr>
+        <p:cNvPr id="1" name="">
+          <a:extLst>
+            <a:ext uri="{FF2B5EF4-FFF2-40B4-BE49-F238E27FC236}">
+              <a16:creationId xmlns:a16="http://schemas.microsoft.com/office/drawing/2014/main" id="{AAF2C266-8A77-F30F-EE94-95A9FA22FB83}"/>
+            </a:ext>
+          </a:extLst>
+        </p:cNvPr>
+        <p:cNvGrpSpPr/>
+        <p:nvPr/>
+      </p:nvGrpSpPr>
+      <p:grpSpPr>
+        <a:xfrm>
+          <a:off x="0" y="0"/>
+          <a:ext cx="0" cy="0"/>
+          <a:chOff x="0" y="0"/>
+          <a:chExt cx="0" cy="0"/>
+        </a:xfrm>
+      </p:grpSpPr>
+      <p:pic>
+        <p:nvPicPr>
+          <p:cNvPr id="8" name="Picture 7">
+            <a:extLst>
+              <a:ext uri="{FF2B5EF4-FFF2-40B4-BE49-F238E27FC236}">
+                <a16:creationId xmlns:a16="http://schemas.microsoft.com/office/drawing/2014/main" id="{3E1C972A-C2A2-A569-01E8-2ECA083ED83A}"/>
+              </a:ext>
+            </a:extLst>
+          </p:cNvPr>
+          <p:cNvPicPr>
+            <a:picLocks noChangeAspect="1"/>
+          </p:cNvPicPr>
+          <p:nvPr/>
+        </p:nvPicPr>
+        <p:blipFill>
+          <a:blip r:embed="rId2">
+            <a:extLst>
+              <a:ext uri="{BEBA8EAE-BF5A-486C-A8C5-ECC9F3942E4B}">
+                <a14:imgProps xmlns:a14="http://schemas.microsoft.com/office/drawing/2010/main">
+                  <a14:imgLayer r:embed="rId3">
+                    <a14:imgEffect>
+                      <a14:brightnessContrast bright="20000" contrast="-40000"/>
+                    </a14:imgEffect>
+                  </a14:imgLayer>
+                </a14:imgProps>
+              </a:ext>
+            </a:extLst>
+          </a:blip>
+          <a:stretch>
+            <a:fillRect/>
+          </a:stretch>
+        </p:blipFill>
+        <p:spPr>
+          <a:xfrm>
+            <a:off x="1446443" y="0"/>
+            <a:ext cx="9299113" cy="6858000"/>
+          </a:xfrm>
+          <a:prstGeom prst="rect">
+            <a:avLst/>
+          </a:prstGeom>
+        </p:spPr>
+      </p:pic>
+    </p:spTree>
+    <p:extLst>
+      <p:ext uri="{BB962C8B-B14F-4D97-AF65-F5344CB8AC3E}">
+        <p14:creationId xmlns:p14="http://schemas.microsoft.com/office/powerpoint/2010/main" val="2934752768"/>
+      </p:ext>
+    </p:extLst>
+  </p:cSld>
+  <p:clrMapOvr>
+    <a:masterClrMapping/>
+  </p:clrMapOvr>
+</p:sld>
+</file>
+
 <file path=ppt/slides/slide2.xml><?xml version="1.0" encoding="utf-8"?>
 <p:sld xmlns:a="http://schemas.openxmlformats.org/drawingml/2006/main" xmlns:r="http://schemas.openxmlformats.org/officeDocument/2006/relationships" xmlns:p="http://schemas.openxmlformats.org/presentationml/2006/main">
   <p:cSld>
